--- a/slides/week-1.pptx
+++ b/slides/week-1.pptx
@@ -26,8 +26,8 @@
     <p:sldId id="344" r:id="rId17"/>
     <p:sldId id="312" r:id="rId18"/>
     <p:sldId id="272" r:id="rId19"/>
-    <p:sldId id="273" r:id="rId20"/>
-    <p:sldId id="274" r:id="rId21"/>
+    <p:sldId id="274" r:id="rId20"/>
+    <p:sldId id="273" r:id="rId21"/>
     <p:sldId id="307" r:id="rId22"/>
     <p:sldId id="275" r:id="rId23"/>
     <p:sldId id="276" r:id="rId24"/>
@@ -44,7 +44,7 @@
     <p:sldId id="284" r:id="rId35"/>
     <p:sldId id="311" r:id="rId36"/>
     <p:sldId id="285" r:id="rId37"/>
-    <p:sldId id="348" r:id="rId38"/>
+    <p:sldId id="374" r:id="rId38"/>
     <p:sldId id="313" r:id="rId39"/>
     <p:sldId id="286" r:id="rId40"/>
     <p:sldId id="287" r:id="rId41"/>
@@ -290,7 +290,7 @@
           <a:p>
             <a:fld id="{10EF4B4F-E8F0-422E-81BC-F48279DD1E61}" type="datetimeFigureOut">
               <a:rPr lang="en-US" smtClean="0"/>
-              <a:t>4/24/2018</a:t>
+              <a:t>6/1/2018</a:t>
             </a:fld>
             <a:endParaRPr lang="en-US"/>
           </a:p>
@@ -1206,7 +1206,7 @@
           <a:p>
             <a:fld id="{1D8BD707-D9CF-40AE-B4C6-C98DA3205C09}" type="datetimeFigureOut">
               <a:rPr lang="en-US"/>
-              <a:t>4/24/2018</a:t>
+              <a:t>6/1/2018</a:t>
             </a:fld>
             <a:endParaRPr lang="en-US"/>
           </a:p>
@@ -1389,7 +1389,7 @@
           <a:p>
             <a:fld id="{1D8BD707-D9CF-40AE-B4C6-C98DA3205C09}" type="datetimeFigureOut">
               <a:rPr lang="en-US"/>
-              <a:t>4/24/2018</a:t>
+              <a:t>6/1/2018</a:t>
             </a:fld>
             <a:endParaRPr lang="en-US"/>
           </a:p>
@@ -1609,7 +1609,7 @@
           <a:p>
             <a:fld id="{1D8BD707-D9CF-40AE-B4C6-C98DA3205C09}" type="datetimeFigureOut">
               <a:rPr lang="en-US"/>
-              <a:t>4/24/2018</a:t>
+              <a:t>6/1/2018</a:t>
             </a:fld>
             <a:endParaRPr lang="en-US"/>
           </a:p>
@@ -1763,7 +1763,7 @@
           <a:p>
             <a:fld id="{1D8BD707-D9CF-40AE-B4C6-C98DA3205C09}" type="datetimeFigureOut">
               <a:rPr lang="en-US"/>
-              <a:t>4/24/2018</a:t>
+              <a:t>6/1/2018</a:t>
             </a:fld>
             <a:endParaRPr lang="en-US"/>
           </a:p>
@@ -1946,7 +1946,7 @@
           <a:p>
             <a:fld id="{1D8BD707-D9CF-40AE-B4C6-C98DA3205C09}" type="datetimeFigureOut">
               <a:rPr lang="en-US"/>
-              <a:t>4/24/2018</a:t>
+              <a:t>6/1/2018</a:t>
             </a:fld>
             <a:endParaRPr lang="en-US"/>
           </a:p>
@@ -2177,7 +2177,7 @@
           <a:p>
             <a:fld id="{1D8BD707-D9CF-40AE-B4C6-C98DA3205C09}" type="datetimeFigureOut">
               <a:rPr lang="en-US"/>
-              <a:t>4/24/2018</a:t>
+              <a:t>6/1/2018</a:t>
             </a:fld>
             <a:endParaRPr lang="en-US"/>
           </a:p>
@@ -2668,8 +2668,8 @@
         </p:nvSpPr>
         <p:spPr>
           <a:xfrm>
-            <a:off x="4537849" y="5994400"/>
-            <a:ext cx="3980815" cy="3016210"/>
+            <a:off x="4537392" y="6478270"/>
+            <a:ext cx="3980815" cy="2246769"/>
           </a:xfrm>
           <a:prstGeom prst="rect">
             <a:avLst/>
@@ -2694,7 +2694,7 @@
                 <a:latin typeface="Bebas Neue Bold"/>
                 <a:cs typeface="Bebas Neue Bold"/>
               </a:rPr>
-              <a:t>HTML &amp; CSS: FUNDAMENTALS OF DEVELOPMENT</a:t>
+              <a:t>FUNDAMENTALS OF DEVELOPMENT</a:t>
             </a:r>
           </a:p>
           <a:p>
@@ -5159,8 +5159,8 @@
         </p:nvSpPr>
         <p:spPr>
           <a:xfrm>
-            <a:off x="2387600" y="6096000"/>
-            <a:ext cx="9296400" cy="2539157"/>
+            <a:off x="2079596" y="5486400"/>
+            <a:ext cx="10137804" cy="4570482"/>
           </a:xfrm>
           <a:prstGeom prst="rect">
             <a:avLst/>
@@ -5172,61 +5172,28 @@
           </a:bodyPr>
           <a:lstStyle/>
           <a:p>
-            <a:pPr marL="24765" marR="5080" indent="-12700" algn="ctr">
+            <a:pPr marL="24765" marR="5080" indent="-12700">
               <a:lnSpc>
                 <a:spcPct val="100000"/>
               </a:lnSpc>
             </a:pPr>
             <a:r>
-              <a:rPr sz="3300" spc="-5" dirty="0">
-                <a:solidFill>
-                  <a:srgbClr val="5F5F5F"/>
-                </a:solidFill>
-                <a:latin typeface="Georgia"/>
-                <a:cs typeface="Georgia"/>
-              </a:rPr>
-              <a:t>HTML and CSS require testing in </a:t>
-            </a:r>
-            <a:r>
-              <a:rPr sz="3300" spc="-10" dirty="0">
-                <a:solidFill>
-                  <a:srgbClr val="5F5F5F"/>
-                </a:solidFill>
-                <a:latin typeface="Georgia"/>
-                <a:cs typeface="Georgia"/>
-              </a:rPr>
-              <a:t>all </a:t>
-            </a:r>
-            <a:r>
-              <a:rPr sz="3300" spc="-5" dirty="0">
-                <a:solidFill>
-                  <a:srgbClr val="5F5F5F"/>
-                </a:solidFill>
-                <a:latin typeface="Georgia"/>
-                <a:cs typeface="Georgia"/>
-              </a:rPr>
-              <a:t>major modern browsers and</a:t>
-            </a:r>
-            <a:r>
-              <a:rPr sz="3300" spc="-55" dirty="0">
-                <a:solidFill>
-                  <a:srgbClr val="5F5F5F"/>
-                </a:solidFill>
-                <a:latin typeface="Georgia"/>
-                <a:cs typeface="Georgia"/>
-              </a:rPr>
-              <a:t> </a:t>
-            </a:r>
-            <a:r>
-              <a:rPr sz="3300" spc="-10" dirty="0">
-                <a:solidFill>
-                  <a:srgbClr val="5F5F5F"/>
-                </a:solidFill>
-                <a:latin typeface="Georgia"/>
-                <a:cs typeface="Georgia"/>
-              </a:rPr>
-              <a:t>devices</a:t>
-            </a:r>
+              <a:rPr lang="en-US" sz="3300" spc="-10" dirty="0">
+                <a:solidFill>
+                  <a:srgbClr val="5F5F5F"/>
+                </a:solidFill>
+                <a:latin typeface="Georgia"/>
+                <a:cs typeface="Georgia"/>
+              </a:rPr>
+              <a:t>You can experiment directly in the browser before making permanent changes</a:t>
+            </a:r>
+          </a:p>
+          <a:p>
+            <a:pPr marL="24765" marR="5080" indent="-12700">
+              <a:lnSpc>
+                <a:spcPct val="100000"/>
+              </a:lnSpc>
+            </a:pPr>
             <a:endParaRPr lang="en-US" sz="3300" spc="-10" dirty="0">
               <a:solidFill>
                 <a:srgbClr val="5F5F5F"/>
@@ -5236,10 +5203,31 @@
             </a:endParaRPr>
           </a:p>
           <a:p>
-            <a:pPr marL="24765" marR="5080" indent="-12700" algn="ctr">
+            <a:pPr marL="469265" marR="5080" indent="-457200">
               <a:lnSpc>
                 <a:spcPct val="100000"/>
               </a:lnSpc>
+              <a:buFont typeface="Arial" panose="020B0604020202020204" pitchFamily="34" charset="0"/>
+              <a:buChar char="•"/>
+            </a:pPr>
+            <a:r>
+              <a:rPr lang="en-US" sz="3300" spc="-10" dirty="0">
+                <a:solidFill>
+                  <a:srgbClr val="5F5F5F"/>
+                </a:solidFill>
+                <a:latin typeface="Georgia"/>
+                <a:cs typeface="Georgia"/>
+              </a:rPr>
+              <a:t>You can modify HTML or CSS</a:t>
+            </a:r>
+          </a:p>
+          <a:p>
+            <a:pPr marL="469265" marR="5080" indent="-457200">
+              <a:lnSpc>
+                <a:spcPct val="100000"/>
+              </a:lnSpc>
+              <a:buFont typeface="Arial" panose="020B0604020202020204" pitchFamily="34" charset="0"/>
+              <a:buChar char="•"/>
             </a:pPr>
             <a:endParaRPr lang="en-US" sz="3300" spc="-10" dirty="0">
               <a:solidFill>
@@ -5250,21 +5238,44 @@
             </a:endParaRPr>
           </a:p>
           <a:p>
+            <a:pPr marL="469265" marR="5080" indent="-457200">
+              <a:lnSpc>
+                <a:spcPct val="100000"/>
+              </a:lnSpc>
+              <a:buFont typeface="Arial" panose="020B0604020202020204" pitchFamily="34" charset="0"/>
+              <a:buChar char="•"/>
+            </a:pPr>
+            <a:r>
+              <a:rPr lang="en-US" sz="3300" spc="-10" dirty="0">
+                <a:solidFill>
+                  <a:srgbClr val="5F5F5F"/>
+                </a:solidFill>
+                <a:latin typeface="Georgia"/>
+                <a:cs typeface="Georgia"/>
+              </a:rPr>
+              <a:t>Any changes disappear when you refresh the page – copy to a local file if you want to keep them!</a:t>
+            </a:r>
+          </a:p>
+          <a:p>
+            <a:pPr marL="24765" marR="5080" indent="-12700">
+              <a:lnSpc>
+                <a:spcPct val="100000"/>
+              </a:lnSpc>
+            </a:pPr>
+            <a:endParaRPr lang="en-US" sz="3300" spc="-10" dirty="0">
+              <a:solidFill>
+                <a:srgbClr val="5F5F5F"/>
+              </a:solidFill>
+              <a:latin typeface="Georgia"/>
+              <a:cs typeface="Georgia"/>
+            </a:endParaRPr>
+          </a:p>
+          <a:p>
             <a:pPr marL="24765" marR="5080" indent="-12700" algn="ctr">
               <a:lnSpc>
                 <a:spcPct val="100000"/>
               </a:lnSpc>
             </a:pPr>
-            <a:r>
-              <a:rPr lang="en-US" sz="3300" spc="-10" dirty="0">
-                <a:solidFill>
-                  <a:srgbClr val="5F5F5F"/>
-                </a:solidFill>
-                <a:latin typeface="Georgia"/>
-                <a:cs typeface="Georgia"/>
-              </a:rPr>
-              <a:t>You can experiment directly in the browser before making permanent changes</a:t>
-            </a:r>
             <a:endParaRPr sz="3300" dirty="0">
               <a:latin typeface="Georgia"/>
               <a:cs typeface="Georgia"/>
@@ -5357,7 +5368,7 @@
         </p:nvSpPr>
         <p:spPr>
           <a:xfrm>
-            <a:off x="1701800" y="3044405"/>
+            <a:off x="1620860" y="2362200"/>
             <a:ext cx="10278801" cy="2639489"/>
           </a:xfrm>
           <a:prstGeom prst="rect">
@@ -5495,7 +5506,6 @@
               <a:rPr sz="5000" dirty="0"/>
               <a:t>TOOLS</a:t>
             </a:r>
-            <a:endParaRPr sz="5000"/>
           </a:p>
         </p:txBody>
       </p:sp>
@@ -5567,6 +5577,16 @@
               </a:rPr>
               <a:t>Chrome</a:t>
             </a:r>
+            <a:r>
+              <a:rPr lang="en-US" sz="3300" spc="-5" dirty="0">
+                <a:solidFill>
+                  <a:srgbClr val="5F5F5F"/>
+                </a:solidFill>
+                <a:latin typeface="Georgia" panose="02040502050405020303" pitchFamily="18" charset="0"/>
+                <a:cs typeface="Lora"/>
+              </a:rPr>
+              <a:t>/Firefox</a:t>
+            </a:r>
             <a:endParaRPr sz="3300" dirty="0">
               <a:latin typeface="Georgia" panose="02040502050405020303" pitchFamily="18" charset="0"/>
               <a:cs typeface="Lora"/>
@@ -5595,7 +5615,27 @@
                 <a:latin typeface="Georgia" panose="02040502050405020303" pitchFamily="18" charset="0"/>
                 <a:cs typeface="Georgia"/>
               </a:rPr>
-              <a:t>Right-click &gt;</a:t>
+              <a:t>Right-click</a:t>
+            </a:r>
+            <a:r>
+              <a:rPr lang="en-US" sz="2500" dirty="0">
+                <a:solidFill>
+                  <a:srgbClr val="5F5F5F"/>
+                </a:solidFill>
+                <a:latin typeface="Georgia" panose="02040502050405020303" pitchFamily="18" charset="0"/>
+                <a:cs typeface="Georgia"/>
+              </a:rPr>
+              <a:t> anywhere on the page </a:t>
+            </a:r>
+            <a:r>
+              <a:rPr sz="2500" dirty="0">
+                <a:solidFill>
+                  <a:srgbClr val="5F5F5F"/>
+                </a:solidFill>
+                <a:latin typeface="Georgia" panose="02040502050405020303" pitchFamily="18" charset="0"/>
+                <a:cs typeface="Georgia"/>
+              </a:rPr>
+              <a:t>&gt;</a:t>
             </a:r>
             <a:r>
               <a:rPr sz="2500" spc="-80" dirty="0">
@@ -6420,6 +6460,1297 @@
 </file>
 
 <file path=ppt/slides/slide19.xml><?xml version="1.0" encoding="utf-8"?>
+<p:sld xmlns:a="http://schemas.openxmlformats.org/drawingml/2006/main" xmlns:r="http://schemas.openxmlformats.org/officeDocument/2006/relationships" xmlns:p="http://schemas.openxmlformats.org/presentationml/2006/main" showMasterSp="0">
+  <p:cSld>
+    <p:spTree>
+      <p:nvGrpSpPr>
+        <p:cNvPr id="1" name=""/>
+        <p:cNvGrpSpPr/>
+        <p:nvPr/>
+      </p:nvGrpSpPr>
+      <p:grpSpPr>
+        <a:xfrm>
+          <a:off x="0" y="0"/>
+          <a:ext cx="0" cy="0"/>
+          <a:chOff x="0" y="0"/>
+          <a:chExt cx="0" cy="0"/>
+        </a:xfrm>
+      </p:grpSpPr>
+      <p:sp>
+        <p:nvSpPr>
+          <p:cNvPr id="2" name="object 2"/>
+          <p:cNvSpPr/>
+          <p:nvPr/>
+        </p:nvSpPr>
+        <p:spPr>
+          <a:xfrm>
+            <a:off x="0" y="0"/>
+            <a:ext cx="13004800" cy="1661795"/>
+          </a:xfrm>
+          <a:custGeom>
+            <a:avLst/>
+            <a:gdLst/>
+            <a:ahLst/>
+            <a:cxnLst/>
+            <a:rect l="l" t="t" r="r" b="b"/>
+            <a:pathLst>
+              <a:path w="13004800" h="1661795">
+                <a:moveTo>
+                  <a:pt x="0" y="1661579"/>
+                </a:moveTo>
+                <a:lnTo>
+                  <a:pt x="0" y="0"/>
+                </a:lnTo>
+                <a:lnTo>
+                  <a:pt x="13004800" y="0"/>
+                </a:lnTo>
+                <a:lnTo>
+                  <a:pt x="13004800" y="1661579"/>
+                </a:lnTo>
+                <a:lnTo>
+                  <a:pt x="0" y="1661579"/>
+                </a:lnTo>
+                <a:close/>
+              </a:path>
+            </a:pathLst>
+          </a:custGeom>
+          <a:solidFill>
+            <a:srgbClr val="CB3D31"/>
+          </a:solidFill>
+        </p:spPr>
+        <p:txBody>
+          <a:bodyPr wrap="square" lIns="0" tIns="0" rIns="0" bIns="0" rtlCol="0"/>
+          <a:lstStyle/>
+          <a:p>
+            <a:endParaRPr/>
+          </a:p>
+        </p:txBody>
+      </p:sp>
+      <p:sp>
+        <p:nvSpPr>
+          <p:cNvPr id="3" name="object 3"/>
+          <p:cNvSpPr txBox="1">
+            <a:spLocks noGrp="1"/>
+          </p:cNvSpPr>
+          <p:nvPr>
+            <p:ph type="title"/>
+          </p:nvPr>
+        </p:nvSpPr>
+        <p:spPr>
+          <a:xfrm>
+            <a:off x="4914900" y="406400"/>
+            <a:ext cx="3174365" cy="761365"/>
+          </a:xfrm>
+          <a:prstGeom prst="rect">
+            <a:avLst/>
+          </a:prstGeom>
+        </p:spPr>
+        <p:txBody>
+          <a:bodyPr vert="horz" wrap="square" lIns="0" tIns="0" rIns="0" bIns="0" rtlCol="0">
+            <a:spAutoFit/>
+          </a:bodyPr>
+          <a:lstStyle/>
+          <a:p>
+            <a:pPr marL="12700">
+              <a:lnSpc>
+                <a:spcPts val="5995"/>
+              </a:lnSpc>
+            </a:pPr>
+            <a:r>
+              <a:rPr sz="5000" dirty="0"/>
+              <a:t>HTML</a:t>
+            </a:r>
+            <a:r>
+              <a:rPr sz="5000" spc="-100" dirty="0"/>
+              <a:t> </a:t>
+            </a:r>
+            <a:r>
+              <a:rPr sz="5000" dirty="0"/>
+              <a:t>Elements</a:t>
+            </a:r>
+            <a:endParaRPr sz="5000"/>
+          </a:p>
+        </p:txBody>
+      </p:sp>
+      <p:sp>
+        <p:nvSpPr>
+          <p:cNvPr id="4" name="object 4"/>
+          <p:cNvSpPr txBox="1"/>
+          <p:nvPr/>
+        </p:nvSpPr>
+        <p:spPr>
+          <a:xfrm>
+            <a:off x="1449654" y="2743200"/>
+            <a:ext cx="10027920" cy="6247864"/>
+          </a:xfrm>
+          <a:prstGeom prst="rect">
+            <a:avLst/>
+          </a:prstGeom>
+        </p:spPr>
+        <p:txBody>
+          <a:bodyPr vert="horz" wrap="square" lIns="0" tIns="0" rIns="0" bIns="0" rtlCol="0">
+            <a:spAutoFit/>
+          </a:bodyPr>
+          <a:lstStyle/>
+          <a:p>
+            <a:pPr marL="442595" indent="-429895">
+              <a:lnSpc>
+                <a:spcPct val="100000"/>
+              </a:lnSpc>
+              <a:spcBef>
+                <a:spcPts val="5385"/>
+              </a:spcBef>
+              <a:buSzPct val="74242"/>
+              <a:buFont typeface="Lora"/>
+              <a:buChar char="•"/>
+              <a:tabLst>
+                <a:tab pos="441959" algn="l"/>
+                <a:tab pos="443230" algn="l"/>
+              </a:tabLst>
+            </a:pPr>
+            <a:r>
+              <a:rPr sz="3300" dirty="0">
+                <a:solidFill>
+                  <a:srgbClr val="5F5F5F"/>
+                </a:solidFill>
+                <a:latin typeface="Georgia"/>
+                <a:cs typeface="Georgia"/>
+              </a:rPr>
+              <a:t>HTML </a:t>
+            </a:r>
+            <a:r>
+              <a:rPr sz="3300" spc="-5" dirty="0">
+                <a:solidFill>
+                  <a:srgbClr val="5F5F5F"/>
+                </a:solidFill>
+                <a:latin typeface="Georgia"/>
+                <a:cs typeface="Georgia"/>
+              </a:rPr>
+              <a:t>elements </a:t>
+            </a:r>
+            <a:r>
+              <a:rPr lang="en-US" sz="3300" dirty="0">
+                <a:solidFill>
+                  <a:srgbClr val="5F5F5F"/>
+                </a:solidFill>
+                <a:latin typeface="Georgia"/>
+                <a:cs typeface="Georgia"/>
+              </a:rPr>
+              <a:t>are contained in</a:t>
+            </a:r>
+            <a:r>
+              <a:rPr sz="3300" dirty="0">
+                <a:solidFill>
+                  <a:srgbClr val="5F5F5F"/>
+                </a:solidFill>
+                <a:latin typeface="Georgia"/>
+                <a:cs typeface="Georgia"/>
+              </a:rPr>
+              <a:t> </a:t>
+            </a:r>
+            <a:r>
+              <a:rPr sz="3300" spc="-5" dirty="0">
+                <a:solidFill>
+                  <a:srgbClr val="5F5F5F"/>
+                </a:solidFill>
+                <a:latin typeface="Consolas" panose="020B0609020204030204" pitchFamily="49" charset="0"/>
+                <a:cs typeface="Georgia"/>
+              </a:rPr>
+              <a:t>&lt;&gt;</a:t>
+            </a:r>
+            <a:r>
+              <a:rPr lang="en-US" sz="3300" dirty="0">
+                <a:solidFill>
+                  <a:srgbClr val="5F5F5F"/>
+                </a:solidFill>
+                <a:latin typeface="Georgia"/>
+                <a:cs typeface="Georgia"/>
+              </a:rPr>
+              <a:t> b</a:t>
+            </a:r>
+            <a:r>
+              <a:rPr sz="3300" dirty="0">
+                <a:solidFill>
+                  <a:srgbClr val="5F5F5F"/>
+                </a:solidFill>
+                <a:latin typeface="Georgia"/>
+                <a:cs typeface="Georgia"/>
+              </a:rPr>
+              <a:t>rackets</a:t>
+            </a:r>
+            <a:endParaRPr sz="3300" dirty="0">
+              <a:latin typeface="Georgia"/>
+              <a:cs typeface="Georgia"/>
+            </a:endParaRPr>
+          </a:p>
+          <a:p>
+            <a:pPr marL="469900" lvl="0" indent="-457200">
+              <a:buFont typeface="Arial" panose="020B0604020202020204" pitchFamily="34" charset="0"/>
+              <a:buChar char="•"/>
+            </a:pPr>
+            <a:endParaRPr lang="en-US" sz="3300" spc="-5" dirty="0">
+              <a:solidFill>
+                <a:srgbClr val="5F5F5F"/>
+              </a:solidFill>
+              <a:latin typeface="Georgia"/>
+              <a:cs typeface="Georgia"/>
+            </a:endParaRPr>
+          </a:p>
+          <a:p>
+            <a:pPr marL="469900" lvl="0" indent="-457200">
+              <a:buFont typeface="Arial" panose="020B0604020202020204" pitchFamily="34" charset="0"/>
+              <a:buChar char="•"/>
+            </a:pPr>
+            <a:r>
+              <a:rPr sz="3300" spc="-5" dirty="0">
+                <a:solidFill>
+                  <a:srgbClr val="5F5F5F"/>
+                </a:solidFill>
+                <a:latin typeface="Georgia"/>
+                <a:cs typeface="Georgia"/>
+              </a:rPr>
+              <a:t>Most</a:t>
+            </a:r>
+            <a:r>
+              <a:rPr sz="3300" dirty="0">
+                <a:solidFill>
+                  <a:srgbClr val="5F5F5F"/>
+                </a:solidFill>
+                <a:latin typeface="Georgia"/>
+                <a:cs typeface="Georgia"/>
+              </a:rPr>
+              <a:t> HTML </a:t>
+            </a:r>
+            <a:r>
+              <a:rPr sz="3300" spc="-5" dirty="0">
+                <a:solidFill>
+                  <a:srgbClr val="5F5F5F"/>
+                </a:solidFill>
+                <a:latin typeface="Georgia"/>
+                <a:cs typeface="Georgia"/>
+              </a:rPr>
+              <a:t>tag</a:t>
+            </a:r>
+            <a:r>
+              <a:rPr lang="en-US" sz="3300" spc="-5" dirty="0">
+                <a:solidFill>
+                  <a:srgbClr val="5F5F5F"/>
+                </a:solidFill>
+                <a:latin typeface="Georgia"/>
+                <a:cs typeface="Georgia"/>
+              </a:rPr>
+              <a:t>s</a:t>
+            </a:r>
+            <a:r>
+              <a:rPr sz="3300" spc="-5" dirty="0">
+                <a:solidFill>
+                  <a:srgbClr val="5F5F5F"/>
+                </a:solidFill>
+                <a:latin typeface="Georgia"/>
+                <a:cs typeface="Georgia"/>
+              </a:rPr>
+              <a:t> </a:t>
+            </a:r>
+            <a:r>
+              <a:rPr sz="3300" dirty="0">
+                <a:solidFill>
+                  <a:srgbClr val="5F5F5F"/>
+                </a:solidFill>
+                <a:latin typeface="Georgia"/>
+                <a:cs typeface="Georgia"/>
+              </a:rPr>
+              <a:t>have an </a:t>
+            </a:r>
+            <a:r>
+              <a:rPr sz="3300" b="1" spc="-5" dirty="0">
+                <a:solidFill>
+                  <a:srgbClr val="5F5F5F"/>
+                </a:solidFill>
+                <a:latin typeface="Georgia"/>
+                <a:cs typeface="Georgia"/>
+              </a:rPr>
+              <a:t>opening </a:t>
+            </a:r>
+            <a:r>
+              <a:rPr sz="3300" spc="-5" dirty="0">
+                <a:solidFill>
+                  <a:srgbClr val="5F5F5F"/>
+                </a:solidFill>
+                <a:latin typeface="Georgia"/>
+                <a:cs typeface="Georgia"/>
+              </a:rPr>
+              <a:t>tag </a:t>
+            </a:r>
+            <a:r>
+              <a:rPr sz="3300" dirty="0">
+                <a:solidFill>
+                  <a:srgbClr val="5F5F5F"/>
+                </a:solidFill>
+                <a:latin typeface="Georgia"/>
+                <a:cs typeface="Georgia"/>
+              </a:rPr>
+              <a:t>and a </a:t>
+            </a:r>
+            <a:r>
+              <a:rPr sz="3300" b="1" dirty="0">
+                <a:solidFill>
+                  <a:srgbClr val="5F5F5F"/>
+                </a:solidFill>
+                <a:latin typeface="Georgia"/>
+                <a:cs typeface="Georgia"/>
+              </a:rPr>
+              <a:t>closing</a:t>
+            </a:r>
+            <a:r>
+              <a:rPr sz="3300" b="1" spc="-130" dirty="0">
+                <a:solidFill>
+                  <a:srgbClr val="5F5F5F"/>
+                </a:solidFill>
+                <a:latin typeface="Georgia"/>
+                <a:cs typeface="Georgia"/>
+              </a:rPr>
+              <a:t> </a:t>
+            </a:r>
+            <a:r>
+              <a:rPr sz="3300" spc="-5" dirty="0">
+                <a:solidFill>
+                  <a:srgbClr val="5F5F5F"/>
+                </a:solidFill>
+                <a:latin typeface="Georgia"/>
+                <a:cs typeface="Georgia"/>
+              </a:rPr>
+              <a:t>tag</a:t>
+            </a:r>
+            <a:endParaRPr lang="en-US" sz="3300" spc="-5" dirty="0">
+              <a:solidFill>
+                <a:srgbClr val="5F5F5F"/>
+              </a:solidFill>
+              <a:latin typeface="Georgia"/>
+              <a:cs typeface="Georgia"/>
+            </a:endParaRPr>
+          </a:p>
+          <a:p>
+            <a:pPr marL="469900" lvl="0" indent="-457200">
+              <a:buFont typeface="Arial" panose="020B0604020202020204" pitchFamily="34" charset="0"/>
+              <a:buChar char="•"/>
+            </a:pPr>
+            <a:endParaRPr lang="en-US" sz="3300" spc="-5" dirty="0">
+              <a:solidFill>
+                <a:srgbClr val="5F5F5F"/>
+              </a:solidFill>
+              <a:latin typeface="Georgia"/>
+              <a:cs typeface="Georgia"/>
+            </a:endParaRPr>
+          </a:p>
+          <a:p>
+            <a:pPr marL="469900" lvl="1"/>
+            <a:r>
+              <a:rPr lang="en-US" sz="2800" dirty="0">
+                <a:solidFill>
+                  <a:srgbClr val="5F5F5F"/>
+                </a:solidFill>
+                <a:latin typeface="Consolas"/>
+                <a:cs typeface="Consolas"/>
+              </a:rPr>
+              <a:t>&lt;</a:t>
+            </a:r>
+            <a:r>
+              <a:rPr lang="en-US" sz="2800" dirty="0">
+                <a:solidFill>
+                  <a:srgbClr val="7F007F"/>
+                </a:solidFill>
+                <a:latin typeface="Consolas"/>
+                <a:cs typeface="Consolas"/>
+              </a:rPr>
+              <a:t>tag</a:t>
+            </a:r>
+            <a:r>
+              <a:rPr lang="en-US" sz="2800" dirty="0">
+                <a:solidFill>
+                  <a:srgbClr val="5F5F5F"/>
+                </a:solidFill>
+                <a:latin typeface="Consolas"/>
+                <a:cs typeface="Consolas"/>
+              </a:rPr>
+              <a:t>&gt;Content goes in</a:t>
+            </a:r>
+            <a:r>
+              <a:rPr lang="en-US" sz="2800" spc="-85" dirty="0">
+                <a:solidFill>
+                  <a:srgbClr val="5F5F5F"/>
+                </a:solidFill>
+                <a:latin typeface="Consolas"/>
+                <a:cs typeface="Consolas"/>
+              </a:rPr>
+              <a:t> </a:t>
+            </a:r>
+            <a:r>
+              <a:rPr lang="en-US" sz="2800" dirty="0">
+                <a:solidFill>
+                  <a:srgbClr val="5F5F5F"/>
+                </a:solidFill>
+                <a:latin typeface="Consolas"/>
+                <a:cs typeface="Consolas"/>
+              </a:rPr>
+              <a:t>here&lt;/</a:t>
+            </a:r>
+            <a:r>
+              <a:rPr lang="en-US" sz="2800" dirty="0">
+                <a:solidFill>
+                  <a:srgbClr val="7F007F"/>
+                </a:solidFill>
+                <a:latin typeface="Consolas"/>
+                <a:cs typeface="Consolas"/>
+              </a:rPr>
+              <a:t>tag</a:t>
+            </a:r>
+            <a:r>
+              <a:rPr lang="en-US" sz="2800" dirty="0">
+                <a:solidFill>
+                  <a:srgbClr val="5F5F5F"/>
+                </a:solidFill>
+                <a:latin typeface="Consolas"/>
+                <a:cs typeface="Consolas"/>
+              </a:rPr>
+              <a:t>&gt;</a:t>
+            </a:r>
+          </a:p>
+          <a:p>
+            <a:pPr lvl="0">
+              <a:spcBef>
+                <a:spcPts val="45"/>
+              </a:spcBef>
+            </a:pPr>
+            <a:endParaRPr lang="en-US" sz="2050" dirty="0">
+              <a:solidFill>
+                <a:prstClr val="black"/>
+              </a:solidFill>
+              <a:latin typeface="Times New Roman"/>
+              <a:cs typeface="Times New Roman"/>
+            </a:endParaRPr>
+          </a:p>
+          <a:p>
+            <a:pPr>
+              <a:lnSpc>
+                <a:spcPct val="100000"/>
+              </a:lnSpc>
+              <a:spcBef>
+                <a:spcPts val="5"/>
+              </a:spcBef>
+              <a:buClr>
+                <a:srgbClr val="5F5F5F"/>
+              </a:buClr>
+              <a:buFont typeface="Lora"/>
+              <a:buChar char="•"/>
+            </a:pPr>
+            <a:endParaRPr sz="3250" dirty="0">
+              <a:latin typeface="Times New Roman"/>
+              <a:cs typeface="Times New Roman"/>
+            </a:endParaRPr>
+          </a:p>
+          <a:p>
+            <a:pPr marL="442595" indent="-429895">
+              <a:buSzPct val="74242"/>
+              <a:buFont typeface="Lora"/>
+              <a:buChar char="•"/>
+              <a:tabLst>
+                <a:tab pos="441959" algn="l"/>
+                <a:tab pos="443230" algn="l"/>
+              </a:tabLst>
+            </a:pPr>
+            <a:r>
+              <a:rPr sz="3300" spc="-5" dirty="0">
+                <a:solidFill>
+                  <a:srgbClr val="5F5F5F"/>
+                </a:solidFill>
+                <a:latin typeface="Georgia"/>
+                <a:cs typeface="Georgia"/>
+              </a:rPr>
+              <a:t>Some </a:t>
+            </a:r>
+            <a:r>
+              <a:rPr lang="en-US" sz="3300" spc="-5" dirty="0">
+                <a:solidFill>
+                  <a:srgbClr val="5F5F5F"/>
+                </a:solidFill>
+                <a:latin typeface="Georgia"/>
+                <a:cs typeface="Georgia"/>
+              </a:rPr>
+              <a:t>types of tags</a:t>
+            </a:r>
+            <a:r>
+              <a:rPr sz="3300" spc="-5" dirty="0">
+                <a:solidFill>
+                  <a:srgbClr val="5F5F5F"/>
+                </a:solidFill>
+                <a:latin typeface="Georgia"/>
+                <a:cs typeface="Georgia"/>
+              </a:rPr>
+              <a:t> </a:t>
+            </a:r>
+            <a:r>
+              <a:rPr sz="3300" dirty="0">
+                <a:solidFill>
+                  <a:srgbClr val="5F5F5F"/>
+                </a:solidFill>
+                <a:latin typeface="Georgia"/>
+                <a:cs typeface="Georgia"/>
+              </a:rPr>
+              <a:t>are</a:t>
+            </a:r>
+            <a:r>
+              <a:rPr sz="3300" spc="30" dirty="0">
+                <a:solidFill>
+                  <a:srgbClr val="5F5F5F"/>
+                </a:solidFill>
+                <a:latin typeface="Georgia"/>
+                <a:cs typeface="Georgia"/>
+              </a:rPr>
+              <a:t> </a:t>
+            </a:r>
+            <a:r>
+              <a:rPr sz="3300" spc="-10" dirty="0">
+                <a:solidFill>
+                  <a:srgbClr val="5F5F5F"/>
+                </a:solidFill>
+                <a:latin typeface="Georgia"/>
+                <a:cs typeface="Georgia"/>
+              </a:rPr>
+              <a:t>“self-closing”</a:t>
+            </a:r>
+            <a:endParaRPr lang="en-US" sz="3300" spc="-10" dirty="0">
+              <a:solidFill>
+                <a:srgbClr val="5F5F5F"/>
+              </a:solidFill>
+              <a:latin typeface="Georgia"/>
+              <a:cs typeface="Georgia"/>
+            </a:endParaRPr>
+          </a:p>
+          <a:p>
+            <a:pPr marL="442595" indent="-429895">
+              <a:buSzPct val="74242"/>
+              <a:buFont typeface="Lora"/>
+              <a:buChar char="•"/>
+              <a:tabLst>
+                <a:tab pos="441959" algn="l"/>
+                <a:tab pos="443230" algn="l"/>
+              </a:tabLst>
+            </a:pPr>
+            <a:endParaRPr lang="en-US" sz="3300" spc="-10" dirty="0">
+              <a:solidFill>
+                <a:srgbClr val="5F5F5F"/>
+              </a:solidFill>
+              <a:latin typeface="Georgia"/>
+              <a:cs typeface="Georgia"/>
+            </a:endParaRPr>
+          </a:p>
+          <a:p>
+            <a:pPr marL="469900" lvl="1">
+              <a:buSzPct val="74242"/>
+              <a:tabLst>
+                <a:tab pos="441959" algn="l"/>
+                <a:tab pos="443230" algn="l"/>
+              </a:tabLst>
+            </a:pPr>
+            <a:r>
+              <a:rPr lang="en-US" sz="2800" dirty="0">
+                <a:solidFill>
+                  <a:srgbClr val="5F5F5F"/>
+                </a:solidFill>
+                <a:latin typeface="Consolas"/>
+                <a:cs typeface="Consolas"/>
+              </a:rPr>
+              <a:t>&lt;</a:t>
+            </a:r>
+            <a:r>
+              <a:rPr lang="en-US" sz="2800" dirty="0">
+                <a:solidFill>
+                  <a:srgbClr val="7F007F"/>
+                </a:solidFill>
+                <a:latin typeface="Consolas"/>
+                <a:cs typeface="Consolas"/>
+              </a:rPr>
+              <a:t>tag </a:t>
+            </a:r>
+            <a:r>
+              <a:rPr lang="en-US" sz="2800" dirty="0">
+                <a:solidFill>
+                  <a:srgbClr val="5F5F5F"/>
+                </a:solidFill>
+                <a:latin typeface="Consolas"/>
+                <a:cs typeface="Consolas"/>
+              </a:rPr>
+              <a:t>/&gt;</a:t>
+            </a:r>
+          </a:p>
+          <a:p>
+            <a:pPr marL="12700">
+              <a:lnSpc>
+                <a:spcPct val="100000"/>
+              </a:lnSpc>
+              <a:buSzPct val="74242"/>
+              <a:tabLst>
+                <a:tab pos="441959" algn="l"/>
+                <a:tab pos="443230" algn="l"/>
+              </a:tabLst>
+            </a:pPr>
+            <a:endParaRPr lang="en-US" sz="3300" spc="-10" dirty="0">
+              <a:solidFill>
+                <a:srgbClr val="5F5F5F"/>
+              </a:solidFill>
+              <a:latin typeface="Georgia"/>
+              <a:cs typeface="Georgia"/>
+            </a:endParaRPr>
+          </a:p>
+          <a:p>
+            <a:pPr marL="442595" indent="-429895">
+              <a:lnSpc>
+                <a:spcPct val="100000"/>
+              </a:lnSpc>
+              <a:buSzPct val="74242"/>
+              <a:buFont typeface="Lora"/>
+              <a:buChar char="•"/>
+              <a:tabLst>
+                <a:tab pos="441959" algn="l"/>
+                <a:tab pos="443230" algn="l"/>
+              </a:tabLst>
+            </a:pPr>
+            <a:endParaRPr sz="3300" dirty="0">
+              <a:latin typeface="Georgia"/>
+              <a:cs typeface="Georgia"/>
+            </a:endParaRPr>
+          </a:p>
+        </p:txBody>
+      </p:sp>
+      <p:sp>
+        <p:nvSpPr>
+          <p:cNvPr id="5" name="object 5"/>
+          <p:cNvSpPr txBox="1"/>
+          <p:nvPr/>
+        </p:nvSpPr>
+        <p:spPr>
+          <a:xfrm>
+            <a:off x="2006600" y="8414696"/>
+            <a:ext cx="7110095" cy="715581"/>
+          </a:xfrm>
+          <a:prstGeom prst="rect">
+            <a:avLst/>
+          </a:prstGeom>
+        </p:spPr>
+        <p:txBody>
+          <a:bodyPr vert="horz" wrap="square" lIns="0" tIns="0" rIns="0" bIns="0" rtlCol="0">
+            <a:spAutoFit/>
+          </a:bodyPr>
+          <a:lstStyle/>
+          <a:p>
+            <a:pPr marL="12700">
+              <a:lnSpc>
+                <a:spcPct val="100000"/>
+              </a:lnSpc>
+            </a:pPr>
+            <a:endParaRPr sz="2600" dirty="0">
+              <a:latin typeface="Consolas"/>
+              <a:cs typeface="Consolas"/>
+            </a:endParaRPr>
+          </a:p>
+          <a:p>
+            <a:pPr>
+              <a:lnSpc>
+                <a:spcPct val="100000"/>
+              </a:lnSpc>
+              <a:spcBef>
+                <a:spcPts val="45"/>
+              </a:spcBef>
+            </a:pPr>
+            <a:endParaRPr sz="2050" dirty="0">
+              <a:latin typeface="Times New Roman"/>
+              <a:cs typeface="Times New Roman"/>
+            </a:endParaRPr>
+          </a:p>
+        </p:txBody>
+      </p:sp>
+    </p:spTree>
+  </p:cSld>
+  <p:clrMapOvr>
+    <a:masterClrMapping/>
+  </p:clrMapOvr>
+</p:sld>
+</file>
+
+<file path=ppt/slides/slide2.xml><?xml version="1.0" encoding="utf-8"?>
+<p:sld xmlns:a="http://schemas.openxmlformats.org/drawingml/2006/main" xmlns:r="http://schemas.openxmlformats.org/officeDocument/2006/relationships" xmlns:p="http://schemas.openxmlformats.org/presentationml/2006/main" showMasterSp="0">
+  <p:cSld>
+    <p:spTree>
+      <p:nvGrpSpPr>
+        <p:cNvPr id="1" name=""/>
+        <p:cNvGrpSpPr/>
+        <p:nvPr/>
+      </p:nvGrpSpPr>
+      <p:grpSpPr>
+        <a:xfrm>
+          <a:off x="0" y="0"/>
+          <a:ext cx="0" cy="0"/>
+          <a:chOff x="0" y="0"/>
+          <a:chExt cx="0" cy="0"/>
+        </a:xfrm>
+      </p:grpSpPr>
+      <p:sp>
+        <p:nvSpPr>
+          <p:cNvPr id="2" name="object 2"/>
+          <p:cNvSpPr/>
+          <p:nvPr/>
+        </p:nvSpPr>
+        <p:spPr>
+          <a:xfrm>
+            <a:off x="8835" y="-120144"/>
+            <a:ext cx="13004800" cy="1796544"/>
+          </a:xfrm>
+          <a:custGeom>
+            <a:avLst/>
+            <a:gdLst/>
+            <a:ahLst/>
+            <a:cxnLst/>
+            <a:rect l="l" t="t" r="r" b="b"/>
+            <a:pathLst>
+              <a:path w="13004800" h="2623820">
+                <a:moveTo>
+                  <a:pt x="0" y="2623807"/>
+                </a:moveTo>
+                <a:lnTo>
+                  <a:pt x="0" y="0"/>
+                </a:lnTo>
+                <a:lnTo>
+                  <a:pt x="13004800" y="0"/>
+                </a:lnTo>
+                <a:lnTo>
+                  <a:pt x="13004800" y="2623807"/>
+                </a:lnTo>
+                <a:lnTo>
+                  <a:pt x="0" y="2623807"/>
+                </a:lnTo>
+                <a:close/>
+              </a:path>
+            </a:pathLst>
+          </a:custGeom>
+          <a:solidFill>
+            <a:srgbClr val="EA992E"/>
+          </a:solidFill>
+        </p:spPr>
+        <p:txBody>
+          <a:bodyPr wrap="square" lIns="0" tIns="0" rIns="0" bIns="0" rtlCol="0"/>
+          <a:lstStyle/>
+          <a:p>
+            <a:endParaRPr/>
+          </a:p>
+        </p:txBody>
+      </p:sp>
+      <p:sp>
+        <p:nvSpPr>
+          <p:cNvPr id="3" name="object 3"/>
+          <p:cNvSpPr txBox="1"/>
+          <p:nvPr/>
+        </p:nvSpPr>
+        <p:spPr>
+          <a:xfrm>
+            <a:off x="1926018" y="3200400"/>
+            <a:ext cx="8949564" cy="5678478"/>
+          </a:xfrm>
+          <a:prstGeom prst="rect">
+            <a:avLst/>
+          </a:prstGeom>
+        </p:spPr>
+        <p:txBody>
+          <a:bodyPr vert="horz" wrap="square" lIns="0" tIns="0" rIns="0" bIns="0" rtlCol="0">
+            <a:spAutoFit/>
+          </a:bodyPr>
+          <a:lstStyle/>
+          <a:p>
+            <a:pPr marL="440055" indent="-427355">
+              <a:lnSpc>
+                <a:spcPct val="100000"/>
+              </a:lnSpc>
+              <a:buSzPct val="74242"/>
+              <a:buFont typeface="Lora"/>
+              <a:buChar char="•"/>
+              <a:tabLst>
+                <a:tab pos="440055" algn="l"/>
+                <a:tab pos="440690" algn="l"/>
+              </a:tabLst>
+            </a:pPr>
+            <a:r>
+              <a:rPr sz="3300" spc="20" dirty="0">
+                <a:solidFill>
+                  <a:srgbClr val="5F5F5F"/>
+                </a:solidFill>
+                <a:latin typeface="Georgia"/>
+                <a:cs typeface="Georgia"/>
+              </a:rPr>
+              <a:t>Who </a:t>
+            </a:r>
+            <a:r>
+              <a:rPr sz="3300" dirty="0">
+                <a:solidFill>
+                  <a:srgbClr val="5F5F5F"/>
+                </a:solidFill>
+                <a:latin typeface="Georgia"/>
+                <a:cs typeface="Georgia"/>
+              </a:rPr>
+              <a:t>are</a:t>
+            </a:r>
+            <a:r>
+              <a:rPr sz="3300" spc="-120" dirty="0">
+                <a:solidFill>
+                  <a:srgbClr val="5F5F5F"/>
+                </a:solidFill>
+                <a:latin typeface="Georgia"/>
+                <a:cs typeface="Georgia"/>
+              </a:rPr>
+              <a:t> </a:t>
+            </a:r>
+            <a:r>
+              <a:rPr sz="3300" dirty="0">
+                <a:solidFill>
+                  <a:srgbClr val="5F5F5F"/>
+                </a:solidFill>
+                <a:latin typeface="Georgia"/>
+                <a:cs typeface="Georgia"/>
+              </a:rPr>
+              <a:t>you?</a:t>
+            </a:r>
+            <a:r>
+              <a:rPr lang="en-US" sz="3300" dirty="0">
+                <a:solidFill>
+                  <a:srgbClr val="5F5F5F"/>
+                </a:solidFill>
+                <a:latin typeface="Georgia"/>
+                <a:cs typeface="Georgia"/>
+              </a:rPr>
+              <a:t> Who am I?</a:t>
+            </a:r>
+            <a:endParaRPr sz="3300" dirty="0">
+              <a:latin typeface="Georgia"/>
+              <a:cs typeface="Georgia"/>
+            </a:endParaRPr>
+          </a:p>
+          <a:p>
+            <a:pPr>
+              <a:lnSpc>
+                <a:spcPct val="100000"/>
+              </a:lnSpc>
+              <a:spcBef>
+                <a:spcPts val="15"/>
+              </a:spcBef>
+              <a:buClr>
+                <a:srgbClr val="5F5F5F"/>
+              </a:buClr>
+              <a:buFont typeface="Lora"/>
+              <a:buChar char="•"/>
+            </a:pPr>
+            <a:endParaRPr sz="3500" dirty="0">
+              <a:latin typeface="Times New Roman"/>
+              <a:cs typeface="Times New Roman"/>
+            </a:endParaRPr>
+          </a:p>
+          <a:p>
+            <a:pPr marL="440055" indent="-427355">
+              <a:lnSpc>
+                <a:spcPct val="100000"/>
+              </a:lnSpc>
+              <a:buSzPct val="74242"/>
+              <a:buFont typeface="Lora"/>
+              <a:buChar char="•"/>
+              <a:tabLst>
+                <a:tab pos="440055" algn="l"/>
+                <a:tab pos="440690" algn="l"/>
+              </a:tabLst>
+            </a:pPr>
+            <a:r>
+              <a:rPr sz="3300" spc="15" dirty="0">
+                <a:solidFill>
+                  <a:srgbClr val="5F5F5F"/>
+                </a:solidFill>
+                <a:latin typeface="Georgia"/>
+                <a:cs typeface="Georgia"/>
+              </a:rPr>
+              <a:t>What </a:t>
+            </a:r>
+            <a:r>
+              <a:rPr sz="3300" spc="-5" dirty="0">
+                <a:solidFill>
+                  <a:srgbClr val="5F5F5F"/>
+                </a:solidFill>
+                <a:latin typeface="Georgia"/>
+                <a:cs typeface="Georgia"/>
+              </a:rPr>
+              <a:t>do you</a:t>
+            </a:r>
+            <a:r>
+              <a:rPr sz="3300" spc="-90" dirty="0">
+                <a:solidFill>
+                  <a:srgbClr val="5F5F5F"/>
+                </a:solidFill>
+                <a:latin typeface="Georgia"/>
+                <a:cs typeface="Georgia"/>
+              </a:rPr>
+              <a:t> </a:t>
+            </a:r>
+            <a:r>
+              <a:rPr sz="3300" spc="-50" dirty="0">
+                <a:solidFill>
+                  <a:srgbClr val="5F5F5F"/>
+                </a:solidFill>
+                <a:latin typeface="Georgia"/>
+                <a:cs typeface="Georgia"/>
+              </a:rPr>
+              <a:t>do/study/etc?</a:t>
+            </a:r>
+            <a:endParaRPr sz="3300" dirty="0">
+              <a:latin typeface="Georgia"/>
+              <a:cs typeface="Georgia"/>
+            </a:endParaRPr>
+          </a:p>
+          <a:p>
+            <a:pPr>
+              <a:lnSpc>
+                <a:spcPct val="100000"/>
+              </a:lnSpc>
+              <a:spcBef>
+                <a:spcPts val="15"/>
+              </a:spcBef>
+              <a:buClr>
+                <a:srgbClr val="5F5F5F"/>
+              </a:buClr>
+              <a:buFont typeface="Lora"/>
+              <a:buChar char="•"/>
+            </a:pPr>
+            <a:endParaRPr sz="3500" dirty="0">
+              <a:latin typeface="Times New Roman"/>
+              <a:cs typeface="Times New Roman"/>
+            </a:endParaRPr>
+          </a:p>
+          <a:p>
+            <a:pPr marL="440055" indent="-427355">
+              <a:lnSpc>
+                <a:spcPct val="100000"/>
+              </a:lnSpc>
+              <a:buSzPct val="74242"/>
+              <a:buFont typeface="Lora"/>
+              <a:buChar char="•"/>
+              <a:tabLst>
+                <a:tab pos="440055" algn="l"/>
+                <a:tab pos="440690" algn="l"/>
+              </a:tabLst>
+            </a:pPr>
+            <a:r>
+              <a:rPr sz="3300" spc="15" dirty="0">
+                <a:solidFill>
+                  <a:srgbClr val="5F5F5F"/>
+                </a:solidFill>
+                <a:latin typeface="Georgia"/>
+                <a:cs typeface="Georgia"/>
+              </a:rPr>
+              <a:t>What </a:t>
+            </a:r>
+            <a:r>
+              <a:rPr sz="3300" spc="-5" dirty="0">
+                <a:solidFill>
+                  <a:srgbClr val="5F5F5F"/>
+                </a:solidFill>
+                <a:latin typeface="Georgia"/>
+                <a:cs typeface="Georgia"/>
+              </a:rPr>
+              <a:t>is </a:t>
+            </a:r>
+            <a:r>
+              <a:rPr sz="3300" dirty="0">
+                <a:solidFill>
+                  <a:srgbClr val="5F5F5F"/>
+                </a:solidFill>
+                <a:latin typeface="Georgia"/>
+                <a:cs typeface="Georgia"/>
+              </a:rPr>
+              <a:t>your </a:t>
+            </a:r>
+            <a:r>
+              <a:rPr sz="3300" spc="-5" dirty="0">
+                <a:solidFill>
+                  <a:srgbClr val="5F5F5F"/>
+                </a:solidFill>
+                <a:latin typeface="Georgia"/>
+                <a:cs typeface="Georgia"/>
+              </a:rPr>
+              <a:t>experience with web</a:t>
+            </a:r>
+            <a:r>
+              <a:rPr sz="3300" spc="40" dirty="0">
+                <a:solidFill>
+                  <a:srgbClr val="5F5F5F"/>
+                </a:solidFill>
+                <a:latin typeface="Georgia"/>
+                <a:cs typeface="Georgia"/>
+              </a:rPr>
+              <a:t> </a:t>
+            </a:r>
+            <a:r>
+              <a:rPr sz="3300" spc="-5" dirty="0">
+                <a:solidFill>
+                  <a:srgbClr val="5F5F5F"/>
+                </a:solidFill>
+                <a:latin typeface="Georgia"/>
+                <a:cs typeface="Georgia"/>
+              </a:rPr>
+              <a:t>development?</a:t>
+            </a:r>
+            <a:endParaRPr lang="en-US" sz="3300" spc="-5" dirty="0">
+              <a:solidFill>
+                <a:srgbClr val="5F5F5F"/>
+              </a:solidFill>
+              <a:latin typeface="Georgia"/>
+              <a:cs typeface="Georgia"/>
+            </a:endParaRPr>
+          </a:p>
+          <a:p>
+            <a:pPr marL="440055" indent="-427355">
+              <a:lnSpc>
+                <a:spcPct val="100000"/>
+              </a:lnSpc>
+              <a:buSzPct val="74242"/>
+              <a:buFont typeface="Lora"/>
+              <a:buChar char="•"/>
+              <a:tabLst>
+                <a:tab pos="440055" algn="l"/>
+                <a:tab pos="440690" algn="l"/>
+              </a:tabLst>
+            </a:pPr>
+            <a:endParaRPr lang="en-US" sz="3300" spc="-5" dirty="0">
+              <a:solidFill>
+                <a:srgbClr val="5F5F5F"/>
+              </a:solidFill>
+              <a:latin typeface="Georgia"/>
+              <a:cs typeface="Georgia"/>
+            </a:endParaRPr>
+          </a:p>
+          <a:p>
+            <a:pPr marL="440055" indent="-427355">
+              <a:lnSpc>
+                <a:spcPct val="100000"/>
+              </a:lnSpc>
+              <a:buSzPct val="74242"/>
+              <a:buFont typeface="Lora"/>
+              <a:buChar char="•"/>
+              <a:tabLst>
+                <a:tab pos="440055" algn="l"/>
+                <a:tab pos="440690" algn="l"/>
+              </a:tabLst>
+            </a:pPr>
+            <a:r>
+              <a:rPr lang="en-US" sz="3300" spc="-5" dirty="0">
+                <a:solidFill>
+                  <a:srgbClr val="5F5F5F"/>
+                </a:solidFill>
+                <a:latin typeface="Georgia"/>
+                <a:cs typeface="Georgia"/>
+              </a:rPr>
+              <a:t>Do you have related skills like</a:t>
+            </a:r>
+            <a:r>
+              <a:rPr lang="en-US" sz="3300" spc="-5" dirty="0">
+                <a:solidFill>
+                  <a:srgbClr val="5F5F5F"/>
+                </a:solidFill>
+                <a:latin typeface="Georgia"/>
+              </a:rPr>
+              <a:t> Photoshop, wireframing, email marketing, </a:t>
+            </a:r>
+            <a:r>
+              <a:rPr lang="en-US" sz="3300" spc="-5" dirty="0" err="1">
+                <a:solidFill>
+                  <a:srgbClr val="5F5F5F"/>
+                </a:solidFill>
+                <a:latin typeface="Georgia"/>
+              </a:rPr>
+              <a:t>etc</a:t>
+            </a:r>
+            <a:r>
+              <a:rPr lang="en-US" sz="3300" spc="-5" dirty="0">
+                <a:solidFill>
+                  <a:srgbClr val="5F5F5F"/>
+                </a:solidFill>
+                <a:latin typeface="Georgia"/>
+              </a:rPr>
+              <a:t>?</a:t>
+            </a:r>
+            <a:endParaRPr sz="3300" spc="-5" dirty="0">
+              <a:solidFill>
+                <a:srgbClr val="5F5F5F"/>
+              </a:solidFill>
+              <a:latin typeface="Georgia"/>
+            </a:endParaRPr>
+          </a:p>
+          <a:p>
+            <a:pPr>
+              <a:lnSpc>
+                <a:spcPct val="100000"/>
+              </a:lnSpc>
+              <a:spcBef>
+                <a:spcPts val="15"/>
+              </a:spcBef>
+              <a:buClr>
+                <a:srgbClr val="5F5F5F"/>
+              </a:buClr>
+              <a:buFont typeface="Lora"/>
+              <a:buChar char="•"/>
+            </a:pPr>
+            <a:endParaRPr sz="3500" dirty="0">
+              <a:latin typeface="Times New Roman"/>
+              <a:cs typeface="Times New Roman"/>
+            </a:endParaRPr>
+          </a:p>
+          <a:p>
+            <a:pPr marL="440055" indent="-427355">
+              <a:lnSpc>
+                <a:spcPct val="100000"/>
+              </a:lnSpc>
+              <a:buSzPct val="74242"/>
+              <a:buFont typeface="Lora"/>
+              <a:buChar char="•"/>
+              <a:tabLst>
+                <a:tab pos="440055" algn="l"/>
+                <a:tab pos="440690" algn="l"/>
+              </a:tabLst>
+            </a:pPr>
+            <a:r>
+              <a:rPr sz="3300" spc="15" dirty="0">
+                <a:solidFill>
+                  <a:srgbClr val="5F5F5F"/>
+                </a:solidFill>
+                <a:latin typeface="Georgia"/>
+                <a:cs typeface="Georgia"/>
+              </a:rPr>
+              <a:t>What </a:t>
+            </a:r>
+            <a:r>
+              <a:rPr sz="3300" dirty="0">
+                <a:solidFill>
+                  <a:srgbClr val="5F5F5F"/>
+                </a:solidFill>
+                <a:latin typeface="Georgia"/>
+                <a:cs typeface="Georgia"/>
+              </a:rPr>
+              <a:t>are </a:t>
+            </a:r>
+            <a:r>
+              <a:rPr sz="3300" spc="-5" dirty="0">
+                <a:solidFill>
+                  <a:srgbClr val="5F5F5F"/>
+                </a:solidFill>
+                <a:latin typeface="Georgia"/>
+                <a:cs typeface="Georgia"/>
+              </a:rPr>
+              <a:t>you hoping to get out of this</a:t>
+            </a:r>
+            <a:r>
+              <a:rPr sz="3300" spc="-15" dirty="0">
+                <a:solidFill>
+                  <a:srgbClr val="5F5F5F"/>
+                </a:solidFill>
+                <a:latin typeface="Georgia"/>
+                <a:cs typeface="Georgia"/>
+              </a:rPr>
+              <a:t> </a:t>
+            </a:r>
+            <a:r>
+              <a:rPr sz="3300" dirty="0">
+                <a:solidFill>
+                  <a:srgbClr val="5F5F5F"/>
+                </a:solidFill>
+                <a:latin typeface="Georgia"/>
+                <a:cs typeface="Georgia"/>
+              </a:rPr>
+              <a:t>class?</a:t>
+            </a:r>
+            <a:endParaRPr sz="3300" dirty="0">
+              <a:latin typeface="Georgia"/>
+              <a:cs typeface="Georgia"/>
+            </a:endParaRPr>
+          </a:p>
+        </p:txBody>
+      </p:sp>
+      <p:sp>
+        <p:nvSpPr>
+          <p:cNvPr id="4" name="object 4"/>
+          <p:cNvSpPr txBox="1">
+            <a:spLocks noGrp="1"/>
+          </p:cNvSpPr>
+          <p:nvPr>
+            <p:ph type="title"/>
+          </p:nvPr>
+        </p:nvSpPr>
+        <p:spPr>
+          <a:xfrm>
+            <a:off x="5588000" y="489774"/>
+            <a:ext cx="3013710" cy="761365"/>
+          </a:xfrm>
+          <a:prstGeom prst="rect">
+            <a:avLst/>
+          </a:prstGeom>
+        </p:spPr>
+        <p:txBody>
+          <a:bodyPr vert="horz" wrap="square" lIns="0" tIns="0" rIns="0" bIns="0" rtlCol="0">
+            <a:spAutoFit/>
+          </a:bodyPr>
+          <a:lstStyle/>
+          <a:p>
+            <a:pPr marL="12700">
+              <a:lnSpc>
+                <a:spcPts val="5995"/>
+              </a:lnSpc>
+            </a:pPr>
+            <a:r>
+              <a:rPr sz="5000" dirty="0"/>
+              <a:t>Introductions</a:t>
+            </a:r>
+          </a:p>
+        </p:txBody>
+      </p:sp>
+      <p:sp>
+        <p:nvSpPr>
+          <p:cNvPr id="5" name="object 5"/>
+          <p:cNvSpPr/>
+          <p:nvPr/>
+        </p:nvSpPr>
+        <p:spPr>
+          <a:xfrm>
+            <a:off x="4254550" y="533400"/>
+            <a:ext cx="1000404" cy="643978"/>
+          </a:xfrm>
+          <a:prstGeom prst="rect">
+            <a:avLst/>
+          </a:prstGeom>
+          <a:blipFill>
+            <a:blip r:embed="rId2" cstate="print"/>
+            <a:stretch>
+              <a:fillRect/>
+            </a:stretch>
+          </a:blipFill>
+        </p:spPr>
+        <p:txBody>
+          <a:bodyPr wrap="square" lIns="0" tIns="0" rIns="0" bIns="0" rtlCol="0"/>
+          <a:lstStyle/>
+          <a:p>
+            <a:endParaRPr/>
+          </a:p>
+        </p:txBody>
+      </p:sp>
+    </p:spTree>
+  </p:cSld>
+  <p:clrMapOvr>
+    <a:masterClrMapping/>
+  </p:clrMapOvr>
+</p:sld>
+</file>
+
+<file path=ppt/slides/slide20.xml><?xml version="1.0" encoding="utf-8"?>
 <p:sld xmlns:a="http://schemas.openxmlformats.org/drawingml/2006/main" xmlns:r="http://schemas.openxmlformats.org/officeDocument/2006/relationships" xmlns:p="http://schemas.openxmlformats.org/presentationml/2006/main" showMasterSp="0">
   <p:cSld>
     <p:spTree>
@@ -7446,1273 +8777,6 @@
 </p:sld>
 </file>
 
-<file path=ppt/slides/slide2.xml><?xml version="1.0" encoding="utf-8"?>
-<p:sld xmlns:a="http://schemas.openxmlformats.org/drawingml/2006/main" xmlns:r="http://schemas.openxmlformats.org/officeDocument/2006/relationships" xmlns:p="http://schemas.openxmlformats.org/presentationml/2006/main" showMasterSp="0">
-  <p:cSld>
-    <p:spTree>
-      <p:nvGrpSpPr>
-        <p:cNvPr id="1" name=""/>
-        <p:cNvGrpSpPr/>
-        <p:nvPr/>
-      </p:nvGrpSpPr>
-      <p:grpSpPr>
-        <a:xfrm>
-          <a:off x="0" y="0"/>
-          <a:ext cx="0" cy="0"/>
-          <a:chOff x="0" y="0"/>
-          <a:chExt cx="0" cy="0"/>
-        </a:xfrm>
-      </p:grpSpPr>
-      <p:sp>
-        <p:nvSpPr>
-          <p:cNvPr id="2" name="object 2"/>
-          <p:cNvSpPr/>
-          <p:nvPr/>
-        </p:nvSpPr>
-        <p:spPr>
-          <a:xfrm>
-            <a:off x="8835" y="-120144"/>
-            <a:ext cx="13004800" cy="1796544"/>
-          </a:xfrm>
-          <a:custGeom>
-            <a:avLst/>
-            <a:gdLst/>
-            <a:ahLst/>
-            <a:cxnLst/>
-            <a:rect l="l" t="t" r="r" b="b"/>
-            <a:pathLst>
-              <a:path w="13004800" h="2623820">
-                <a:moveTo>
-                  <a:pt x="0" y="2623807"/>
-                </a:moveTo>
-                <a:lnTo>
-                  <a:pt x="0" y="0"/>
-                </a:lnTo>
-                <a:lnTo>
-                  <a:pt x="13004800" y="0"/>
-                </a:lnTo>
-                <a:lnTo>
-                  <a:pt x="13004800" y="2623807"/>
-                </a:lnTo>
-                <a:lnTo>
-                  <a:pt x="0" y="2623807"/>
-                </a:lnTo>
-                <a:close/>
-              </a:path>
-            </a:pathLst>
-          </a:custGeom>
-          <a:solidFill>
-            <a:srgbClr val="EA992E"/>
-          </a:solidFill>
-        </p:spPr>
-        <p:txBody>
-          <a:bodyPr wrap="square" lIns="0" tIns="0" rIns="0" bIns="0" rtlCol="0"/>
-          <a:lstStyle/>
-          <a:p>
-            <a:endParaRPr/>
-          </a:p>
-        </p:txBody>
-      </p:sp>
-      <p:sp>
-        <p:nvSpPr>
-          <p:cNvPr id="3" name="object 3"/>
-          <p:cNvSpPr txBox="1"/>
-          <p:nvPr/>
-        </p:nvSpPr>
-        <p:spPr>
-          <a:xfrm>
-            <a:off x="1926018" y="3200400"/>
-            <a:ext cx="8949564" cy="5170646"/>
-          </a:xfrm>
-          <a:prstGeom prst="rect">
-            <a:avLst/>
-          </a:prstGeom>
-        </p:spPr>
-        <p:txBody>
-          <a:bodyPr vert="horz" wrap="square" lIns="0" tIns="0" rIns="0" bIns="0" rtlCol="0">
-            <a:spAutoFit/>
-          </a:bodyPr>
-          <a:lstStyle/>
-          <a:p>
-            <a:pPr marL="440055" indent="-427355">
-              <a:lnSpc>
-                <a:spcPct val="100000"/>
-              </a:lnSpc>
-              <a:buSzPct val="74242"/>
-              <a:buFont typeface="Lora"/>
-              <a:buChar char="•"/>
-              <a:tabLst>
-                <a:tab pos="440055" algn="l"/>
-                <a:tab pos="440690" algn="l"/>
-              </a:tabLst>
-            </a:pPr>
-            <a:r>
-              <a:rPr sz="3300" spc="20" dirty="0">
-                <a:solidFill>
-                  <a:srgbClr val="5F5F5F"/>
-                </a:solidFill>
-                <a:latin typeface="Georgia"/>
-                <a:cs typeface="Georgia"/>
-              </a:rPr>
-              <a:t>Who </a:t>
-            </a:r>
-            <a:r>
-              <a:rPr sz="3300" dirty="0">
-                <a:solidFill>
-                  <a:srgbClr val="5F5F5F"/>
-                </a:solidFill>
-                <a:latin typeface="Georgia"/>
-                <a:cs typeface="Georgia"/>
-              </a:rPr>
-              <a:t>are</a:t>
-            </a:r>
-            <a:r>
-              <a:rPr sz="3300" spc="-120" dirty="0">
-                <a:solidFill>
-                  <a:srgbClr val="5F5F5F"/>
-                </a:solidFill>
-                <a:latin typeface="Georgia"/>
-                <a:cs typeface="Georgia"/>
-              </a:rPr>
-              <a:t> </a:t>
-            </a:r>
-            <a:r>
-              <a:rPr sz="3300" dirty="0">
-                <a:solidFill>
-                  <a:srgbClr val="5F5F5F"/>
-                </a:solidFill>
-                <a:latin typeface="Georgia"/>
-                <a:cs typeface="Georgia"/>
-              </a:rPr>
-              <a:t>you?</a:t>
-            </a:r>
-            <a:r>
-              <a:rPr lang="en-US" sz="3300" dirty="0">
-                <a:solidFill>
-                  <a:srgbClr val="5F5F5F"/>
-                </a:solidFill>
-                <a:latin typeface="Georgia"/>
-                <a:cs typeface="Georgia"/>
-              </a:rPr>
-              <a:t> Who am I?</a:t>
-            </a:r>
-            <a:endParaRPr sz="3300" dirty="0">
-              <a:latin typeface="Georgia"/>
-              <a:cs typeface="Georgia"/>
-            </a:endParaRPr>
-          </a:p>
-          <a:p>
-            <a:pPr>
-              <a:lnSpc>
-                <a:spcPct val="100000"/>
-              </a:lnSpc>
-              <a:spcBef>
-                <a:spcPts val="15"/>
-              </a:spcBef>
-              <a:buClr>
-                <a:srgbClr val="5F5F5F"/>
-              </a:buClr>
-              <a:buFont typeface="Lora"/>
-              <a:buChar char="•"/>
-            </a:pPr>
-            <a:endParaRPr sz="3500" dirty="0">
-              <a:latin typeface="Times New Roman"/>
-              <a:cs typeface="Times New Roman"/>
-            </a:endParaRPr>
-          </a:p>
-          <a:p>
-            <a:pPr marL="440055" indent="-427355">
-              <a:lnSpc>
-                <a:spcPct val="100000"/>
-              </a:lnSpc>
-              <a:buSzPct val="74242"/>
-              <a:buFont typeface="Lora"/>
-              <a:buChar char="•"/>
-              <a:tabLst>
-                <a:tab pos="440055" algn="l"/>
-                <a:tab pos="440690" algn="l"/>
-              </a:tabLst>
-            </a:pPr>
-            <a:r>
-              <a:rPr sz="3300" spc="15" dirty="0">
-                <a:solidFill>
-                  <a:srgbClr val="5F5F5F"/>
-                </a:solidFill>
-                <a:latin typeface="Georgia"/>
-                <a:cs typeface="Georgia"/>
-              </a:rPr>
-              <a:t>What </a:t>
-            </a:r>
-            <a:r>
-              <a:rPr sz="3300" spc="-5" dirty="0">
-                <a:solidFill>
-                  <a:srgbClr val="5F5F5F"/>
-                </a:solidFill>
-                <a:latin typeface="Georgia"/>
-                <a:cs typeface="Georgia"/>
-              </a:rPr>
-              <a:t>do you</a:t>
-            </a:r>
-            <a:r>
-              <a:rPr sz="3300" spc="-90" dirty="0">
-                <a:solidFill>
-                  <a:srgbClr val="5F5F5F"/>
-                </a:solidFill>
-                <a:latin typeface="Georgia"/>
-                <a:cs typeface="Georgia"/>
-              </a:rPr>
-              <a:t> </a:t>
-            </a:r>
-            <a:r>
-              <a:rPr sz="3300" spc="-50" dirty="0">
-                <a:solidFill>
-                  <a:srgbClr val="5F5F5F"/>
-                </a:solidFill>
-                <a:latin typeface="Georgia"/>
-                <a:cs typeface="Georgia"/>
-              </a:rPr>
-              <a:t>do/study/etc?</a:t>
-            </a:r>
-            <a:endParaRPr sz="3300" dirty="0">
-              <a:latin typeface="Georgia"/>
-              <a:cs typeface="Georgia"/>
-            </a:endParaRPr>
-          </a:p>
-          <a:p>
-            <a:pPr>
-              <a:lnSpc>
-                <a:spcPct val="100000"/>
-              </a:lnSpc>
-              <a:spcBef>
-                <a:spcPts val="15"/>
-              </a:spcBef>
-              <a:buClr>
-                <a:srgbClr val="5F5F5F"/>
-              </a:buClr>
-              <a:buFont typeface="Lora"/>
-              <a:buChar char="•"/>
-            </a:pPr>
-            <a:endParaRPr sz="3500" dirty="0">
-              <a:latin typeface="Times New Roman"/>
-              <a:cs typeface="Times New Roman"/>
-            </a:endParaRPr>
-          </a:p>
-          <a:p>
-            <a:pPr marL="440055" indent="-427355">
-              <a:lnSpc>
-                <a:spcPct val="100000"/>
-              </a:lnSpc>
-              <a:buSzPct val="74242"/>
-              <a:buFont typeface="Lora"/>
-              <a:buChar char="•"/>
-              <a:tabLst>
-                <a:tab pos="440055" algn="l"/>
-                <a:tab pos="440690" algn="l"/>
-              </a:tabLst>
-            </a:pPr>
-            <a:r>
-              <a:rPr sz="3300" spc="15" dirty="0">
-                <a:solidFill>
-                  <a:srgbClr val="5F5F5F"/>
-                </a:solidFill>
-                <a:latin typeface="Georgia"/>
-                <a:cs typeface="Georgia"/>
-              </a:rPr>
-              <a:t>What </a:t>
-            </a:r>
-            <a:r>
-              <a:rPr sz="3300" spc="-5" dirty="0">
-                <a:solidFill>
-                  <a:srgbClr val="5F5F5F"/>
-                </a:solidFill>
-                <a:latin typeface="Georgia"/>
-                <a:cs typeface="Georgia"/>
-              </a:rPr>
-              <a:t>is </a:t>
-            </a:r>
-            <a:r>
-              <a:rPr sz="3300" dirty="0">
-                <a:solidFill>
-                  <a:srgbClr val="5F5F5F"/>
-                </a:solidFill>
-                <a:latin typeface="Georgia"/>
-                <a:cs typeface="Georgia"/>
-              </a:rPr>
-              <a:t>your </a:t>
-            </a:r>
-            <a:r>
-              <a:rPr sz="3300" spc="-5" dirty="0">
-                <a:solidFill>
-                  <a:srgbClr val="5F5F5F"/>
-                </a:solidFill>
-                <a:latin typeface="Georgia"/>
-                <a:cs typeface="Georgia"/>
-              </a:rPr>
-              <a:t>experience with web</a:t>
-            </a:r>
-            <a:r>
-              <a:rPr sz="3300" spc="40" dirty="0">
-                <a:solidFill>
-                  <a:srgbClr val="5F5F5F"/>
-                </a:solidFill>
-                <a:latin typeface="Georgia"/>
-                <a:cs typeface="Georgia"/>
-              </a:rPr>
-              <a:t> </a:t>
-            </a:r>
-            <a:r>
-              <a:rPr sz="3300" spc="-5" dirty="0">
-                <a:solidFill>
-                  <a:srgbClr val="5F5F5F"/>
-                </a:solidFill>
-                <a:latin typeface="Georgia"/>
-                <a:cs typeface="Georgia"/>
-              </a:rPr>
-              <a:t>development?</a:t>
-            </a:r>
-            <a:endParaRPr lang="en-US" sz="3300" spc="-5" dirty="0">
-              <a:solidFill>
-                <a:srgbClr val="5F5F5F"/>
-              </a:solidFill>
-              <a:latin typeface="Georgia"/>
-              <a:cs typeface="Georgia"/>
-            </a:endParaRPr>
-          </a:p>
-          <a:p>
-            <a:pPr marL="897255" lvl="1" indent="-427355">
-              <a:buSzPct val="74242"/>
-              <a:buFont typeface="Lora"/>
-              <a:buChar char="•"/>
-              <a:tabLst>
-                <a:tab pos="440055" algn="l"/>
-                <a:tab pos="440690" algn="l"/>
-              </a:tabLst>
-            </a:pPr>
-            <a:r>
-              <a:rPr lang="en-US" sz="3300" spc="-5" dirty="0">
-                <a:solidFill>
-                  <a:srgbClr val="5F5F5F"/>
-                </a:solidFill>
-                <a:latin typeface="Georgia"/>
-                <a:cs typeface="Georgia"/>
-              </a:rPr>
-              <a:t>Do you have related skills like</a:t>
-            </a:r>
-            <a:r>
-              <a:rPr lang="en-US" sz="3300" spc="-5" dirty="0">
-                <a:solidFill>
-                  <a:srgbClr val="5F5F5F"/>
-                </a:solidFill>
-                <a:latin typeface="Georgia"/>
-              </a:rPr>
-              <a:t> Photoshop, Wireframing, E-mail Marketing, </a:t>
-            </a:r>
-            <a:r>
-              <a:rPr lang="en-US" sz="3300" spc="-5" dirty="0" err="1">
-                <a:solidFill>
-                  <a:srgbClr val="5F5F5F"/>
-                </a:solidFill>
-                <a:latin typeface="Georgia"/>
-              </a:rPr>
-              <a:t>etc</a:t>
-            </a:r>
-            <a:r>
-              <a:rPr lang="en-US" sz="3300" spc="-5" dirty="0">
-                <a:solidFill>
-                  <a:srgbClr val="5F5F5F"/>
-                </a:solidFill>
-                <a:latin typeface="Georgia"/>
-              </a:rPr>
-              <a:t>?</a:t>
-            </a:r>
-            <a:endParaRPr sz="3300" spc="-5" dirty="0">
-              <a:solidFill>
-                <a:srgbClr val="5F5F5F"/>
-              </a:solidFill>
-              <a:latin typeface="Georgia"/>
-            </a:endParaRPr>
-          </a:p>
-          <a:p>
-            <a:pPr>
-              <a:lnSpc>
-                <a:spcPct val="100000"/>
-              </a:lnSpc>
-              <a:spcBef>
-                <a:spcPts val="15"/>
-              </a:spcBef>
-              <a:buClr>
-                <a:srgbClr val="5F5F5F"/>
-              </a:buClr>
-              <a:buFont typeface="Lora"/>
-              <a:buChar char="•"/>
-            </a:pPr>
-            <a:endParaRPr sz="3500" dirty="0">
-              <a:latin typeface="Times New Roman"/>
-              <a:cs typeface="Times New Roman"/>
-            </a:endParaRPr>
-          </a:p>
-          <a:p>
-            <a:pPr marL="440055" indent="-427355">
-              <a:lnSpc>
-                <a:spcPct val="100000"/>
-              </a:lnSpc>
-              <a:buSzPct val="74242"/>
-              <a:buFont typeface="Lora"/>
-              <a:buChar char="•"/>
-              <a:tabLst>
-                <a:tab pos="440055" algn="l"/>
-                <a:tab pos="440690" algn="l"/>
-              </a:tabLst>
-            </a:pPr>
-            <a:r>
-              <a:rPr sz="3300" spc="15" dirty="0">
-                <a:solidFill>
-                  <a:srgbClr val="5F5F5F"/>
-                </a:solidFill>
-                <a:latin typeface="Georgia"/>
-                <a:cs typeface="Georgia"/>
-              </a:rPr>
-              <a:t>What </a:t>
-            </a:r>
-            <a:r>
-              <a:rPr sz="3300" dirty="0">
-                <a:solidFill>
-                  <a:srgbClr val="5F5F5F"/>
-                </a:solidFill>
-                <a:latin typeface="Georgia"/>
-                <a:cs typeface="Georgia"/>
-              </a:rPr>
-              <a:t>are </a:t>
-            </a:r>
-            <a:r>
-              <a:rPr sz="3300" spc="-5" dirty="0">
-                <a:solidFill>
-                  <a:srgbClr val="5F5F5F"/>
-                </a:solidFill>
-                <a:latin typeface="Georgia"/>
-                <a:cs typeface="Georgia"/>
-              </a:rPr>
-              <a:t>you hoping to get out of this</a:t>
-            </a:r>
-            <a:r>
-              <a:rPr sz="3300" spc="-15" dirty="0">
-                <a:solidFill>
-                  <a:srgbClr val="5F5F5F"/>
-                </a:solidFill>
-                <a:latin typeface="Georgia"/>
-                <a:cs typeface="Georgia"/>
-              </a:rPr>
-              <a:t> </a:t>
-            </a:r>
-            <a:r>
-              <a:rPr sz="3300" dirty="0">
-                <a:solidFill>
-                  <a:srgbClr val="5F5F5F"/>
-                </a:solidFill>
-                <a:latin typeface="Georgia"/>
-                <a:cs typeface="Georgia"/>
-              </a:rPr>
-              <a:t>class?</a:t>
-            </a:r>
-            <a:endParaRPr sz="3300" dirty="0">
-              <a:latin typeface="Georgia"/>
-              <a:cs typeface="Georgia"/>
-            </a:endParaRPr>
-          </a:p>
-        </p:txBody>
-      </p:sp>
-      <p:sp>
-        <p:nvSpPr>
-          <p:cNvPr id="4" name="object 4"/>
-          <p:cNvSpPr txBox="1">
-            <a:spLocks noGrp="1"/>
-          </p:cNvSpPr>
-          <p:nvPr>
-            <p:ph type="title"/>
-          </p:nvPr>
-        </p:nvSpPr>
-        <p:spPr>
-          <a:xfrm>
-            <a:off x="5588000" y="489774"/>
-            <a:ext cx="3013710" cy="761365"/>
-          </a:xfrm>
-          <a:prstGeom prst="rect">
-            <a:avLst/>
-          </a:prstGeom>
-        </p:spPr>
-        <p:txBody>
-          <a:bodyPr vert="horz" wrap="square" lIns="0" tIns="0" rIns="0" bIns="0" rtlCol="0">
-            <a:spAutoFit/>
-          </a:bodyPr>
-          <a:lstStyle/>
-          <a:p>
-            <a:pPr marL="12700">
-              <a:lnSpc>
-                <a:spcPts val="5995"/>
-              </a:lnSpc>
-            </a:pPr>
-            <a:r>
-              <a:rPr sz="5000" dirty="0"/>
-              <a:t>Introductions</a:t>
-            </a:r>
-          </a:p>
-        </p:txBody>
-      </p:sp>
-      <p:sp>
-        <p:nvSpPr>
-          <p:cNvPr id="5" name="object 5"/>
-          <p:cNvSpPr/>
-          <p:nvPr/>
-        </p:nvSpPr>
-        <p:spPr>
-          <a:xfrm>
-            <a:off x="4254550" y="533400"/>
-            <a:ext cx="1000404" cy="643978"/>
-          </a:xfrm>
-          <a:prstGeom prst="rect">
-            <a:avLst/>
-          </a:prstGeom>
-          <a:blipFill>
-            <a:blip r:embed="rId2" cstate="print"/>
-            <a:stretch>
-              <a:fillRect/>
-            </a:stretch>
-          </a:blipFill>
-        </p:spPr>
-        <p:txBody>
-          <a:bodyPr wrap="square" lIns="0" tIns="0" rIns="0" bIns="0" rtlCol="0"/>
-          <a:lstStyle/>
-          <a:p>
-            <a:endParaRPr/>
-          </a:p>
-        </p:txBody>
-      </p:sp>
-    </p:spTree>
-  </p:cSld>
-  <p:clrMapOvr>
-    <a:masterClrMapping/>
-  </p:clrMapOvr>
-</p:sld>
-</file>
-
-<file path=ppt/slides/slide20.xml><?xml version="1.0" encoding="utf-8"?>
-<p:sld xmlns:a="http://schemas.openxmlformats.org/drawingml/2006/main" xmlns:r="http://schemas.openxmlformats.org/officeDocument/2006/relationships" xmlns:p="http://schemas.openxmlformats.org/presentationml/2006/main" showMasterSp="0">
-  <p:cSld>
-    <p:spTree>
-      <p:nvGrpSpPr>
-        <p:cNvPr id="1" name=""/>
-        <p:cNvGrpSpPr/>
-        <p:nvPr/>
-      </p:nvGrpSpPr>
-      <p:grpSpPr>
-        <a:xfrm>
-          <a:off x="0" y="0"/>
-          <a:ext cx="0" cy="0"/>
-          <a:chOff x="0" y="0"/>
-          <a:chExt cx="0" cy="0"/>
-        </a:xfrm>
-      </p:grpSpPr>
-      <p:sp>
-        <p:nvSpPr>
-          <p:cNvPr id="2" name="object 2"/>
-          <p:cNvSpPr/>
-          <p:nvPr/>
-        </p:nvSpPr>
-        <p:spPr>
-          <a:xfrm>
-            <a:off x="0" y="0"/>
-            <a:ext cx="13004800" cy="1661795"/>
-          </a:xfrm>
-          <a:custGeom>
-            <a:avLst/>
-            <a:gdLst/>
-            <a:ahLst/>
-            <a:cxnLst/>
-            <a:rect l="l" t="t" r="r" b="b"/>
-            <a:pathLst>
-              <a:path w="13004800" h="1661795">
-                <a:moveTo>
-                  <a:pt x="0" y="1661579"/>
-                </a:moveTo>
-                <a:lnTo>
-                  <a:pt x="0" y="0"/>
-                </a:lnTo>
-                <a:lnTo>
-                  <a:pt x="13004800" y="0"/>
-                </a:lnTo>
-                <a:lnTo>
-                  <a:pt x="13004800" y="1661579"/>
-                </a:lnTo>
-                <a:lnTo>
-                  <a:pt x="0" y="1661579"/>
-                </a:lnTo>
-                <a:close/>
-              </a:path>
-            </a:pathLst>
-          </a:custGeom>
-          <a:solidFill>
-            <a:srgbClr val="CB3D31"/>
-          </a:solidFill>
-        </p:spPr>
-        <p:txBody>
-          <a:bodyPr wrap="square" lIns="0" tIns="0" rIns="0" bIns="0" rtlCol="0"/>
-          <a:lstStyle/>
-          <a:p>
-            <a:endParaRPr/>
-          </a:p>
-        </p:txBody>
-      </p:sp>
-      <p:sp>
-        <p:nvSpPr>
-          <p:cNvPr id="3" name="object 3"/>
-          <p:cNvSpPr txBox="1">
-            <a:spLocks noGrp="1"/>
-          </p:cNvSpPr>
-          <p:nvPr>
-            <p:ph type="title"/>
-          </p:nvPr>
-        </p:nvSpPr>
-        <p:spPr>
-          <a:xfrm>
-            <a:off x="4914900" y="406400"/>
-            <a:ext cx="3174365" cy="761365"/>
-          </a:xfrm>
-          <a:prstGeom prst="rect">
-            <a:avLst/>
-          </a:prstGeom>
-        </p:spPr>
-        <p:txBody>
-          <a:bodyPr vert="horz" wrap="square" lIns="0" tIns="0" rIns="0" bIns="0" rtlCol="0">
-            <a:spAutoFit/>
-          </a:bodyPr>
-          <a:lstStyle/>
-          <a:p>
-            <a:pPr marL="12700">
-              <a:lnSpc>
-                <a:spcPts val="5995"/>
-              </a:lnSpc>
-            </a:pPr>
-            <a:r>
-              <a:rPr sz="5000" dirty="0"/>
-              <a:t>HTML</a:t>
-            </a:r>
-            <a:r>
-              <a:rPr sz="5000" spc="-100" dirty="0"/>
-              <a:t> </a:t>
-            </a:r>
-            <a:r>
-              <a:rPr sz="5000" dirty="0"/>
-              <a:t>Elements</a:t>
-            </a:r>
-            <a:endParaRPr sz="5000"/>
-          </a:p>
-        </p:txBody>
-      </p:sp>
-      <p:sp>
-        <p:nvSpPr>
-          <p:cNvPr id="4" name="object 4"/>
-          <p:cNvSpPr txBox="1"/>
-          <p:nvPr/>
-        </p:nvSpPr>
-        <p:spPr>
-          <a:xfrm>
-            <a:off x="1449654" y="2743200"/>
-            <a:ext cx="10027920" cy="6247864"/>
-          </a:xfrm>
-          <a:prstGeom prst="rect">
-            <a:avLst/>
-          </a:prstGeom>
-        </p:spPr>
-        <p:txBody>
-          <a:bodyPr vert="horz" wrap="square" lIns="0" tIns="0" rIns="0" bIns="0" rtlCol="0">
-            <a:spAutoFit/>
-          </a:bodyPr>
-          <a:lstStyle/>
-          <a:p>
-            <a:pPr marL="442595" indent="-429895">
-              <a:lnSpc>
-                <a:spcPct val="100000"/>
-              </a:lnSpc>
-              <a:spcBef>
-                <a:spcPts val="5385"/>
-              </a:spcBef>
-              <a:buSzPct val="74242"/>
-              <a:buFont typeface="Lora"/>
-              <a:buChar char="•"/>
-              <a:tabLst>
-                <a:tab pos="441959" algn="l"/>
-                <a:tab pos="443230" algn="l"/>
-              </a:tabLst>
-            </a:pPr>
-            <a:r>
-              <a:rPr sz="3300" dirty="0">
-                <a:solidFill>
-                  <a:srgbClr val="5F5F5F"/>
-                </a:solidFill>
-                <a:latin typeface="Georgia"/>
-                <a:cs typeface="Georgia"/>
-              </a:rPr>
-              <a:t>HTML </a:t>
-            </a:r>
-            <a:r>
-              <a:rPr sz="3300" spc="-5" dirty="0">
-                <a:solidFill>
-                  <a:srgbClr val="5F5F5F"/>
-                </a:solidFill>
-                <a:latin typeface="Georgia"/>
-                <a:cs typeface="Georgia"/>
-              </a:rPr>
-              <a:t>elements </a:t>
-            </a:r>
-            <a:r>
-              <a:rPr lang="en-US" sz="3300" dirty="0">
-                <a:solidFill>
-                  <a:srgbClr val="5F5F5F"/>
-                </a:solidFill>
-                <a:latin typeface="Georgia"/>
-                <a:cs typeface="Georgia"/>
-              </a:rPr>
-              <a:t>are contained in</a:t>
-            </a:r>
-            <a:r>
-              <a:rPr sz="3300" dirty="0">
-                <a:solidFill>
-                  <a:srgbClr val="5F5F5F"/>
-                </a:solidFill>
-                <a:latin typeface="Georgia"/>
-                <a:cs typeface="Georgia"/>
-              </a:rPr>
-              <a:t> </a:t>
-            </a:r>
-            <a:r>
-              <a:rPr sz="3300" spc="-5" dirty="0">
-                <a:solidFill>
-                  <a:srgbClr val="5F5F5F"/>
-                </a:solidFill>
-                <a:latin typeface="Consolas" panose="020B0609020204030204" pitchFamily="49" charset="0"/>
-                <a:cs typeface="Georgia"/>
-              </a:rPr>
-              <a:t>&lt;&gt;</a:t>
-            </a:r>
-            <a:r>
-              <a:rPr lang="en-US" sz="3300" dirty="0">
-                <a:solidFill>
-                  <a:srgbClr val="5F5F5F"/>
-                </a:solidFill>
-                <a:latin typeface="Georgia"/>
-                <a:cs typeface="Georgia"/>
-              </a:rPr>
-              <a:t> b</a:t>
-            </a:r>
-            <a:r>
-              <a:rPr sz="3300" dirty="0">
-                <a:solidFill>
-                  <a:srgbClr val="5F5F5F"/>
-                </a:solidFill>
-                <a:latin typeface="Georgia"/>
-                <a:cs typeface="Georgia"/>
-              </a:rPr>
-              <a:t>rackets</a:t>
-            </a:r>
-            <a:endParaRPr sz="3300" dirty="0">
-              <a:latin typeface="Georgia"/>
-              <a:cs typeface="Georgia"/>
-            </a:endParaRPr>
-          </a:p>
-          <a:p>
-            <a:pPr marL="469900" lvl="0" indent="-457200">
-              <a:buFont typeface="Arial" panose="020B0604020202020204" pitchFamily="34" charset="0"/>
-              <a:buChar char="•"/>
-            </a:pPr>
-            <a:endParaRPr lang="en-US" sz="3300" spc="-5" dirty="0">
-              <a:solidFill>
-                <a:srgbClr val="5F5F5F"/>
-              </a:solidFill>
-              <a:latin typeface="Georgia"/>
-              <a:cs typeface="Georgia"/>
-            </a:endParaRPr>
-          </a:p>
-          <a:p>
-            <a:pPr marL="469900" lvl="0" indent="-457200">
-              <a:buFont typeface="Arial" panose="020B0604020202020204" pitchFamily="34" charset="0"/>
-              <a:buChar char="•"/>
-            </a:pPr>
-            <a:r>
-              <a:rPr sz="3300" spc="-5" dirty="0">
-                <a:solidFill>
-                  <a:srgbClr val="5F5F5F"/>
-                </a:solidFill>
-                <a:latin typeface="Georgia"/>
-                <a:cs typeface="Georgia"/>
-              </a:rPr>
-              <a:t>Most</a:t>
-            </a:r>
-            <a:r>
-              <a:rPr sz="3300" dirty="0">
-                <a:solidFill>
-                  <a:srgbClr val="5F5F5F"/>
-                </a:solidFill>
-                <a:latin typeface="Georgia"/>
-                <a:cs typeface="Georgia"/>
-              </a:rPr>
-              <a:t> HTML </a:t>
-            </a:r>
-            <a:r>
-              <a:rPr sz="3300" spc="-5" dirty="0">
-                <a:solidFill>
-                  <a:srgbClr val="5F5F5F"/>
-                </a:solidFill>
-                <a:latin typeface="Georgia"/>
-                <a:cs typeface="Georgia"/>
-              </a:rPr>
-              <a:t>tag</a:t>
-            </a:r>
-            <a:r>
-              <a:rPr lang="en-US" sz="3300" spc="-5" dirty="0">
-                <a:solidFill>
-                  <a:srgbClr val="5F5F5F"/>
-                </a:solidFill>
-                <a:latin typeface="Georgia"/>
-                <a:cs typeface="Georgia"/>
-              </a:rPr>
-              <a:t>s</a:t>
-            </a:r>
-            <a:r>
-              <a:rPr sz="3300" spc="-5" dirty="0">
-                <a:solidFill>
-                  <a:srgbClr val="5F5F5F"/>
-                </a:solidFill>
-                <a:latin typeface="Georgia"/>
-                <a:cs typeface="Georgia"/>
-              </a:rPr>
-              <a:t> </a:t>
-            </a:r>
-            <a:r>
-              <a:rPr sz="3300" dirty="0">
-                <a:solidFill>
-                  <a:srgbClr val="5F5F5F"/>
-                </a:solidFill>
-                <a:latin typeface="Georgia"/>
-                <a:cs typeface="Georgia"/>
-              </a:rPr>
-              <a:t>have an </a:t>
-            </a:r>
-            <a:r>
-              <a:rPr sz="3300" b="1" spc="-5" dirty="0">
-                <a:solidFill>
-                  <a:srgbClr val="5F5F5F"/>
-                </a:solidFill>
-                <a:latin typeface="Georgia"/>
-                <a:cs typeface="Georgia"/>
-              </a:rPr>
-              <a:t>opening </a:t>
-            </a:r>
-            <a:r>
-              <a:rPr sz="3300" spc="-5" dirty="0">
-                <a:solidFill>
-                  <a:srgbClr val="5F5F5F"/>
-                </a:solidFill>
-                <a:latin typeface="Georgia"/>
-                <a:cs typeface="Georgia"/>
-              </a:rPr>
-              <a:t>tag </a:t>
-            </a:r>
-            <a:r>
-              <a:rPr sz="3300" dirty="0">
-                <a:solidFill>
-                  <a:srgbClr val="5F5F5F"/>
-                </a:solidFill>
-                <a:latin typeface="Georgia"/>
-                <a:cs typeface="Georgia"/>
-              </a:rPr>
-              <a:t>and a </a:t>
-            </a:r>
-            <a:r>
-              <a:rPr sz="3300" b="1" dirty="0">
-                <a:solidFill>
-                  <a:srgbClr val="5F5F5F"/>
-                </a:solidFill>
-                <a:latin typeface="Georgia"/>
-                <a:cs typeface="Georgia"/>
-              </a:rPr>
-              <a:t>closing</a:t>
-            </a:r>
-            <a:r>
-              <a:rPr sz="3300" b="1" spc="-130" dirty="0">
-                <a:solidFill>
-                  <a:srgbClr val="5F5F5F"/>
-                </a:solidFill>
-                <a:latin typeface="Georgia"/>
-                <a:cs typeface="Georgia"/>
-              </a:rPr>
-              <a:t> </a:t>
-            </a:r>
-            <a:r>
-              <a:rPr sz="3300" spc="-5" dirty="0">
-                <a:solidFill>
-                  <a:srgbClr val="5F5F5F"/>
-                </a:solidFill>
-                <a:latin typeface="Georgia"/>
-                <a:cs typeface="Georgia"/>
-              </a:rPr>
-              <a:t>tag</a:t>
-            </a:r>
-            <a:endParaRPr lang="en-US" sz="3300" spc="-5" dirty="0">
-              <a:solidFill>
-                <a:srgbClr val="5F5F5F"/>
-              </a:solidFill>
-              <a:latin typeface="Georgia"/>
-              <a:cs typeface="Georgia"/>
-            </a:endParaRPr>
-          </a:p>
-          <a:p>
-            <a:pPr marL="469900" lvl="0" indent="-457200">
-              <a:buFont typeface="Arial" panose="020B0604020202020204" pitchFamily="34" charset="0"/>
-              <a:buChar char="•"/>
-            </a:pPr>
-            <a:endParaRPr lang="en-US" sz="3300" spc="-5" dirty="0">
-              <a:solidFill>
-                <a:srgbClr val="5F5F5F"/>
-              </a:solidFill>
-              <a:latin typeface="Georgia"/>
-              <a:cs typeface="Georgia"/>
-            </a:endParaRPr>
-          </a:p>
-          <a:p>
-            <a:pPr marL="469900" lvl="1"/>
-            <a:r>
-              <a:rPr lang="en-US" sz="2800" dirty="0">
-                <a:solidFill>
-                  <a:srgbClr val="5F5F5F"/>
-                </a:solidFill>
-                <a:latin typeface="Consolas"/>
-                <a:cs typeface="Consolas"/>
-              </a:rPr>
-              <a:t>&lt;</a:t>
-            </a:r>
-            <a:r>
-              <a:rPr lang="en-US" sz="2800" dirty="0">
-                <a:solidFill>
-                  <a:srgbClr val="7F007F"/>
-                </a:solidFill>
-                <a:latin typeface="Consolas"/>
-                <a:cs typeface="Consolas"/>
-              </a:rPr>
-              <a:t>tag</a:t>
-            </a:r>
-            <a:r>
-              <a:rPr lang="en-US" sz="2800" dirty="0">
-                <a:solidFill>
-                  <a:srgbClr val="5F5F5F"/>
-                </a:solidFill>
-                <a:latin typeface="Consolas"/>
-                <a:cs typeface="Consolas"/>
-              </a:rPr>
-              <a:t>&gt;Content goes in</a:t>
-            </a:r>
-            <a:r>
-              <a:rPr lang="en-US" sz="2800" spc="-85" dirty="0">
-                <a:solidFill>
-                  <a:srgbClr val="5F5F5F"/>
-                </a:solidFill>
-                <a:latin typeface="Consolas"/>
-                <a:cs typeface="Consolas"/>
-              </a:rPr>
-              <a:t> </a:t>
-            </a:r>
-            <a:r>
-              <a:rPr lang="en-US" sz="2800" dirty="0">
-                <a:solidFill>
-                  <a:srgbClr val="5F5F5F"/>
-                </a:solidFill>
-                <a:latin typeface="Consolas"/>
-                <a:cs typeface="Consolas"/>
-              </a:rPr>
-              <a:t>here&lt;/</a:t>
-            </a:r>
-            <a:r>
-              <a:rPr lang="en-US" sz="2800" dirty="0">
-                <a:solidFill>
-                  <a:srgbClr val="7F007F"/>
-                </a:solidFill>
-                <a:latin typeface="Consolas"/>
-                <a:cs typeface="Consolas"/>
-              </a:rPr>
-              <a:t>tag</a:t>
-            </a:r>
-            <a:r>
-              <a:rPr lang="en-US" sz="2800" dirty="0">
-                <a:solidFill>
-                  <a:srgbClr val="5F5F5F"/>
-                </a:solidFill>
-                <a:latin typeface="Consolas"/>
-                <a:cs typeface="Consolas"/>
-              </a:rPr>
-              <a:t>&gt;</a:t>
-            </a:r>
-          </a:p>
-          <a:p>
-            <a:pPr lvl="0">
-              <a:spcBef>
-                <a:spcPts val="45"/>
-              </a:spcBef>
-            </a:pPr>
-            <a:endParaRPr lang="en-US" sz="2050" dirty="0">
-              <a:solidFill>
-                <a:prstClr val="black"/>
-              </a:solidFill>
-              <a:latin typeface="Times New Roman"/>
-              <a:cs typeface="Times New Roman"/>
-            </a:endParaRPr>
-          </a:p>
-          <a:p>
-            <a:pPr>
-              <a:lnSpc>
-                <a:spcPct val="100000"/>
-              </a:lnSpc>
-              <a:spcBef>
-                <a:spcPts val="5"/>
-              </a:spcBef>
-              <a:buClr>
-                <a:srgbClr val="5F5F5F"/>
-              </a:buClr>
-              <a:buFont typeface="Lora"/>
-              <a:buChar char="•"/>
-            </a:pPr>
-            <a:endParaRPr sz="3250" dirty="0">
-              <a:latin typeface="Times New Roman"/>
-              <a:cs typeface="Times New Roman"/>
-            </a:endParaRPr>
-          </a:p>
-          <a:p>
-            <a:pPr marL="442595" indent="-429895">
-              <a:buSzPct val="74242"/>
-              <a:buFont typeface="Lora"/>
-              <a:buChar char="•"/>
-              <a:tabLst>
-                <a:tab pos="441959" algn="l"/>
-                <a:tab pos="443230" algn="l"/>
-              </a:tabLst>
-            </a:pPr>
-            <a:r>
-              <a:rPr sz="3300" spc="-5" dirty="0">
-                <a:solidFill>
-                  <a:srgbClr val="5F5F5F"/>
-                </a:solidFill>
-                <a:latin typeface="Georgia"/>
-                <a:cs typeface="Georgia"/>
-              </a:rPr>
-              <a:t>Some </a:t>
-            </a:r>
-            <a:r>
-              <a:rPr lang="en-US" sz="3300" spc="-5" dirty="0">
-                <a:solidFill>
-                  <a:srgbClr val="5F5F5F"/>
-                </a:solidFill>
-                <a:latin typeface="Georgia"/>
-                <a:cs typeface="Georgia"/>
-              </a:rPr>
-              <a:t>types of tags</a:t>
-            </a:r>
-            <a:r>
-              <a:rPr sz="3300" spc="-5" dirty="0">
-                <a:solidFill>
-                  <a:srgbClr val="5F5F5F"/>
-                </a:solidFill>
-                <a:latin typeface="Georgia"/>
-                <a:cs typeface="Georgia"/>
-              </a:rPr>
-              <a:t> </a:t>
-            </a:r>
-            <a:r>
-              <a:rPr sz="3300" dirty="0">
-                <a:solidFill>
-                  <a:srgbClr val="5F5F5F"/>
-                </a:solidFill>
-                <a:latin typeface="Georgia"/>
-                <a:cs typeface="Georgia"/>
-              </a:rPr>
-              <a:t>are</a:t>
-            </a:r>
-            <a:r>
-              <a:rPr sz="3300" spc="30" dirty="0">
-                <a:solidFill>
-                  <a:srgbClr val="5F5F5F"/>
-                </a:solidFill>
-                <a:latin typeface="Georgia"/>
-                <a:cs typeface="Georgia"/>
-              </a:rPr>
-              <a:t> </a:t>
-            </a:r>
-            <a:r>
-              <a:rPr sz="3300" spc="-10" dirty="0">
-                <a:solidFill>
-                  <a:srgbClr val="5F5F5F"/>
-                </a:solidFill>
-                <a:latin typeface="Georgia"/>
-                <a:cs typeface="Georgia"/>
-              </a:rPr>
-              <a:t>“self-closing”</a:t>
-            </a:r>
-            <a:endParaRPr lang="en-US" sz="3300" spc="-10" dirty="0">
-              <a:solidFill>
-                <a:srgbClr val="5F5F5F"/>
-              </a:solidFill>
-              <a:latin typeface="Georgia"/>
-              <a:cs typeface="Georgia"/>
-            </a:endParaRPr>
-          </a:p>
-          <a:p>
-            <a:pPr marL="442595" indent="-429895">
-              <a:buSzPct val="74242"/>
-              <a:buFont typeface="Lora"/>
-              <a:buChar char="•"/>
-              <a:tabLst>
-                <a:tab pos="441959" algn="l"/>
-                <a:tab pos="443230" algn="l"/>
-              </a:tabLst>
-            </a:pPr>
-            <a:endParaRPr lang="en-US" sz="3300" spc="-10" dirty="0">
-              <a:solidFill>
-                <a:srgbClr val="5F5F5F"/>
-              </a:solidFill>
-              <a:latin typeface="Georgia"/>
-              <a:cs typeface="Georgia"/>
-            </a:endParaRPr>
-          </a:p>
-          <a:p>
-            <a:pPr marL="469900" lvl="1">
-              <a:buSzPct val="74242"/>
-              <a:tabLst>
-                <a:tab pos="441959" algn="l"/>
-                <a:tab pos="443230" algn="l"/>
-              </a:tabLst>
-            </a:pPr>
-            <a:r>
-              <a:rPr lang="en-US" sz="2800" dirty="0">
-                <a:solidFill>
-                  <a:srgbClr val="5F5F5F"/>
-                </a:solidFill>
-                <a:latin typeface="Consolas"/>
-                <a:cs typeface="Consolas"/>
-              </a:rPr>
-              <a:t>&lt;</a:t>
-            </a:r>
-            <a:r>
-              <a:rPr lang="en-US" sz="2800" dirty="0">
-                <a:solidFill>
-                  <a:srgbClr val="7F007F"/>
-                </a:solidFill>
-                <a:latin typeface="Consolas"/>
-                <a:cs typeface="Consolas"/>
-              </a:rPr>
-              <a:t>tag </a:t>
-            </a:r>
-            <a:r>
-              <a:rPr lang="en-US" sz="2800" dirty="0">
-                <a:solidFill>
-                  <a:srgbClr val="5F5F5F"/>
-                </a:solidFill>
-                <a:latin typeface="Consolas"/>
-                <a:cs typeface="Consolas"/>
-              </a:rPr>
-              <a:t>/&gt;</a:t>
-            </a:r>
-          </a:p>
-          <a:p>
-            <a:pPr marL="12700">
-              <a:lnSpc>
-                <a:spcPct val="100000"/>
-              </a:lnSpc>
-              <a:buSzPct val="74242"/>
-              <a:tabLst>
-                <a:tab pos="441959" algn="l"/>
-                <a:tab pos="443230" algn="l"/>
-              </a:tabLst>
-            </a:pPr>
-            <a:endParaRPr lang="en-US" sz="3300" spc="-10" dirty="0">
-              <a:solidFill>
-                <a:srgbClr val="5F5F5F"/>
-              </a:solidFill>
-              <a:latin typeface="Georgia"/>
-              <a:cs typeface="Georgia"/>
-            </a:endParaRPr>
-          </a:p>
-          <a:p>
-            <a:pPr marL="442595" indent="-429895">
-              <a:lnSpc>
-                <a:spcPct val="100000"/>
-              </a:lnSpc>
-              <a:buSzPct val="74242"/>
-              <a:buFont typeface="Lora"/>
-              <a:buChar char="•"/>
-              <a:tabLst>
-                <a:tab pos="441959" algn="l"/>
-                <a:tab pos="443230" algn="l"/>
-              </a:tabLst>
-            </a:pPr>
-            <a:endParaRPr sz="3300" dirty="0">
-              <a:latin typeface="Georgia"/>
-              <a:cs typeface="Georgia"/>
-            </a:endParaRPr>
-          </a:p>
-        </p:txBody>
-      </p:sp>
-      <p:sp>
-        <p:nvSpPr>
-          <p:cNvPr id="5" name="object 5"/>
-          <p:cNvSpPr txBox="1"/>
-          <p:nvPr/>
-        </p:nvSpPr>
-        <p:spPr>
-          <a:xfrm>
-            <a:off x="2006600" y="8414696"/>
-            <a:ext cx="7110095" cy="715581"/>
-          </a:xfrm>
-          <a:prstGeom prst="rect">
-            <a:avLst/>
-          </a:prstGeom>
-        </p:spPr>
-        <p:txBody>
-          <a:bodyPr vert="horz" wrap="square" lIns="0" tIns="0" rIns="0" bIns="0" rtlCol="0">
-            <a:spAutoFit/>
-          </a:bodyPr>
-          <a:lstStyle/>
-          <a:p>
-            <a:pPr marL="12700">
-              <a:lnSpc>
-                <a:spcPct val="100000"/>
-              </a:lnSpc>
-            </a:pPr>
-            <a:endParaRPr sz="2600" dirty="0">
-              <a:latin typeface="Consolas"/>
-              <a:cs typeface="Consolas"/>
-            </a:endParaRPr>
-          </a:p>
-          <a:p>
-            <a:pPr>
-              <a:lnSpc>
-                <a:spcPct val="100000"/>
-              </a:lnSpc>
-              <a:spcBef>
-                <a:spcPts val="45"/>
-              </a:spcBef>
-            </a:pPr>
-            <a:endParaRPr sz="2050" dirty="0">
-              <a:latin typeface="Times New Roman"/>
-              <a:cs typeface="Times New Roman"/>
-            </a:endParaRPr>
-          </a:p>
-        </p:txBody>
-      </p:sp>
-    </p:spTree>
-  </p:cSld>
-  <p:clrMapOvr>
-    <a:masterClrMapping/>
-  </p:clrMapOvr>
-</p:sld>
-</file>
-
 <file path=ppt/slides/slide21.xml><?xml version="1.0" encoding="utf-8"?>
 <p:sld xmlns:a="http://schemas.openxmlformats.org/drawingml/2006/main" xmlns:r="http://schemas.openxmlformats.org/officeDocument/2006/relationships" xmlns:p="http://schemas.openxmlformats.org/presentationml/2006/main">
   <p:cSld>
@@ -9329,16 +9393,6 @@
               <a:t>Tags </a:t>
             </a:r>
             <a:r>
-              <a:rPr sz="3300" b="1" spc="-5" dirty="0">
-                <a:solidFill>
-                  <a:srgbClr val="5F5F5F"/>
-                </a:solidFill>
-                <a:latin typeface="Georgia"/>
-                <a:cs typeface="Georgia"/>
-              </a:rPr>
-              <a:t>must</a:t>
-            </a:r>
-            <a:r>
               <a:rPr sz="3300" spc="-5" dirty="0">
                 <a:solidFill>
                   <a:srgbClr val="5F5F5F"/>
@@ -9346,7 +9400,7 @@
                 <a:latin typeface="Georgia"/>
                 <a:cs typeface="Georgia"/>
               </a:rPr>
-              <a:t> be closed</a:t>
+              <a:t>must be closed</a:t>
             </a:r>
             <a:endParaRPr sz="3300" dirty="0">
               <a:latin typeface="Georgia"/>
@@ -10168,8 +10222,8 @@
         </p:nvSpPr>
         <p:spPr>
           <a:xfrm>
-            <a:off x="1930400" y="4504015"/>
-            <a:ext cx="10044748" cy="3016210"/>
+            <a:off x="1480026" y="4495800"/>
+            <a:ext cx="10044748" cy="3447098"/>
           </a:xfrm>
           <a:prstGeom prst="rect">
             <a:avLst/>
@@ -10276,6 +10330,23 @@
           </a:p>
           <a:p>
             <a:pPr marL="12700">
+              <a:lnSpc>
+                <a:spcPct val="100000"/>
+              </a:lnSpc>
+              <a:tabLst>
+                <a:tab pos="4890135" algn="l"/>
+              </a:tabLst>
+            </a:pPr>
+            <a:endParaRPr lang="en-US" sz="2800" dirty="0">
+              <a:solidFill>
+                <a:srgbClr val="0000FF"/>
+              </a:solidFill>
+              <a:latin typeface="Consolas" panose="020B0609020204030204" pitchFamily="49" charset="0"/>
+              <a:cs typeface="Courier New"/>
+            </a:endParaRPr>
+          </a:p>
+          <a:p>
+            <a:pPr marL="12700">
               <a:tabLst>
                 <a:tab pos="4890135" algn="l"/>
               </a:tabLst>
@@ -10345,8 +10416,8 @@
         </p:nvSpPr>
         <p:spPr>
           <a:xfrm>
-            <a:off x="1894522" y="2730953"/>
-            <a:ext cx="8785860" cy="1015663"/>
+            <a:off x="1347470" y="2575073"/>
+            <a:ext cx="10627678" cy="507831"/>
           </a:xfrm>
           <a:prstGeom prst="rect">
             <a:avLst/>
@@ -10376,7 +10447,7 @@
                 <a:latin typeface="Georgia"/>
                 <a:cs typeface="Georgia"/>
               </a:rPr>
-              <a:t>These other doctypes are not commonly in use anymore:</a:t>
+              <a:t>These old doctypes are not commonly in use anymore:</a:t>
             </a:r>
           </a:p>
         </p:txBody>
@@ -13140,8 +13211,8 @@
         </p:nvSpPr>
         <p:spPr>
           <a:xfrm>
-            <a:off x="1778000" y="3124200"/>
-            <a:ext cx="8507095" cy="5170646"/>
+            <a:off x="1778000" y="2895600"/>
+            <a:ext cx="8507095" cy="5678478"/>
           </a:xfrm>
           <a:prstGeom prst="rect">
             <a:avLst/>
@@ -13173,7 +13244,7 @@
                 <a:latin typeface="Georgia"/>
                 <a:cs typeface="Georgia"/>
               </a:rPr>
-              <a:t>Five sessions</a:t>
+              <a:t>Five sessions over six weeks</a:t>
             </a:r>
           </a:p>
           <a:p>
@@ -13218,7 +13289,7 @@
                 <a:latin typeface="Georgia"/>
                 <a:cs typeface="Georgia"/>
               </a:rPr>
-              <a:t>Thursdays </a:t>
+              <a:t>Wednesdays </a:t>
             </a:r>
             <a:r>
               <a:rPr sz="3300" dirty="0">
@@ -13238,7 +13309,7 @@
                 <a:latin typeface="Georgia"/>
                 <a:cs typeface="Georgia"/>
               </a:rPr>
-              <a:t>May 10 to June 7</a:t>
+              <a:t>June 20 to July 25</a:t>
             </a:r>
             <a:r>
               <a:rPr sz="3300" dirty="0">
@@ -13251,14 +13322,14 @@
               <a:t>,</a:t>
             </a:r>
             <a:r>
-              <a:rPr sz="3300" spc="-60" dirty="0">
-                <a:solidFill>
-                  <a:srgbClr val="5F5F5F"/>
-                </a:solidFill>
-                <a:latin typeface="Georgia"/>
-                <a:cs typeface="Georgia"/>
-              </a:rPr>
-              <a:t> </a:t>
+              <a:rPr lang="en-US" sz="3300" spc="-60" dirty="0">
+                <a:solidFill>
+                  <a:srgbClr val="5F5F5F"/>
+                </a:solidFill>
+                <a:latin typeface="Georgia"/>
+                <a:cs typeface="Georgia"/>
+              </a:rPr>
+              <a:t> at </a:t>
             </a:r>
             <a:r>
               <a:rPr sz="3300" dirty="0">
@@ -13268,7 +13339,7 @@
                 <a:latin typeface="Georgia"/>
                 <a:cs typeface="Georgia"/>
               </a:rPr>
-              <a:t>from  6:30-9:30</a:t>
+              <a:t>6:30-9:3</a:t>
             </a:r>
             <a:r>
               <a:rPr lang="en-US" sz="3300" dirty="0">
@@ -13278,62 +13349,45 @@
                 <a:latin typeface="Georgia"/>
                 <a:cs typeface="Georgia"/>
               </a:rPr>
-              <a:t> </a:t>
-            </a:r>
-            <a:r>
-              <a:rPr sz="3300" dirty="0">
-                <a:solidFill>
-                  <a:srgbClr val="5F5F5F"/>
-                </a:solidFill>
-                <a:latin typeface="Georgia"/>
-                <a:cs typeface="Georgia"/>
-              </a:rPr>
-              <a:t>p</a:t>
-            </a:r>
-            <a:r>
-              <a:rPr lang="en-US" sz="3300" dirty="0">
-                <a:solidFill>
-                  <a:srgbClr val="5F5F5F"/>
-                </a:solidFill>
-                <a:latin typeface="Georgia"/>
-                <a:cs typeface="Georgia"/>
-              </a:rPr>
-              <a:t>.</a:t>
-            </a:r>
-            <a:r>
-              <a:rPr sz="3300" dirty="0">
-                <a:solidFill>
-                  <a:srgbClr val="5F5F5F"/>
-                </a:solidFill>
-                <a:latin typeface="Georgia"/>
-                <a:cs typeface="Georgia"/>
-              </a:rPr>
-              <a:t>m</a:t>
-            </a:r>
-            <a:r>
-              <a:rPr lang="en-US" sz="3300" dirty="0">
-                <a:solidFill>
-                  <a:srgbClr val="5F5F5F"/>
-                </a:solidFill>
-                <a:latin typeface="Georgia"/>
-                <a:cs typeface="Georgia"/>
-              </a:rPr>
-              <a:t>.</a:t>
-            </a:r>
-          </a:p>
-          <a:p>
-            <a:pPr>
-              <a:lnSpc>
-                <a:spcPct val="100000"/>
-              </a:lnSpc>
-              <a:spcBef>
-                <a:spcPts val="15"/>
-              </a:spcBef>
-              <a:buClr>
-                <a:srgbClr val="5F5F5F"/>
-              </a:buClr>
+              <a:t>0 pm </a:t>
+            </a:r>
+          </a:p>
+          <a:p>
+            <a:pPr marL="897255" marR="296545" lvl="1" indent="-427355">
+              <a:buSzPct val="74242"/>
               <a:buFont typeface="Lora"/>
               <a:buChar char="•"/>
+              <a:tabLst>
+                <a:tab pos="440055" algn="l"/>
+                <a:tab pos="440690" algn="l"/>
+              </a:tabLst>
+            </a:pPr>
+            <a:r>
+              <a:rPr lang="en-US" sz="3300" dirty="0">
+                <a:solidFill>
+                  <a:srgbClr val="5F5F5F"/>
+                </a:solidFill>
+                <a:latin typeface="Georgia"/>
+              </a:rPr>
+              <a:t>No class week of July 4th</a:t>
+            </a:r>
+            <a:r>
+              <a:rPr lang="en-US" dirty="0"/>
+              <a:t> </a:t>
+            </a:r>
+          </a:p>
+          <a:p>
+            <a:pPr marL="440055" marR="296545" indent="-427355">
+              <a:lnSpc>
+                <a:spcPct val="100000"/>
+              </a:lnSpc>
+              <a:buSzPct val="74242"/>
+              <a:buFont typeface="Lora"/>
+              <a:buChar char="•"/>
+              <a:tabLst>
+                <a:tab pos="440055" algn="l"/>
+                <a:tab pos="440690" algn="l"/>
+              </a:tabLst>
             </a:pPr>
             <a:endParaRPr sz="3500" dirty="0">
               <a:latin typeface="Times New Roman"/>
@@ -16117,7 +16171,7 @@
         <p:spPr>
           <a:xfrm>
             <a:off x="1884197" y="2476500"/>
-            <a:ext cx="8483600" cy="5424562"/>
+            <a:ext cx="8483600" cy="5250155"/>
           </a:xfrm>
           <a:prstGeom prst="rect">
             <a:avLst/>
@@ -16231,9 +16285,20 @@
           </a:p>
           <a:p>
             <a:pPr marL="17780" marR="107314">
-              <a:lnSpc>
-                <a:spcPct val="150000"/>
-              </a:lnSpc>
+              <a:spcBef>
+                <a:spcPts val="2575"/>
+              </a:spcBef>
+            </a:pPr>
+            <a:endParaRPr lang="en-US" sz="1100" b="1" spc="-25" dirty="0">
+              <a:solidFill>
+                <a:srgbClr val="5F5F5F"/>
+              </a:solidFill>
+              <a:latin typeface="Georgia"/>
+              <a:cs typeface="Georgia"/>
+            </a:endParaRPr>
+          </a:p>
+          <a:p>
+            <a:pPr marL="17780" marR="107314">
               <a:spcBef>
                 <a:spcPts val="2575"/>
               </a:spcBef>
@@ -16305,9 +16370,6 @@
           </a:p>
           <a:p>
             <a:pPr>
-              <a:lnSpc>
-                <a:spcPct val="100000"/>
-              </a:lnSpc>
               <a:spcBef>
                 <a:spcPts val="45"/>
               </a:spcBef>
@@ -16318,11 +16380,7 @@
             </a:endParaRPr>
           </a:p>
           <a:p>
-            <a:pPr marL="706120">
-              <a:lnSpc>
-                <a:spcPct val="100000"/>
-              </a:lnSpc>
-            </a:pPr>
+            <a:pPr marL="706120"/>
             <a:r>
               <a:rPr lang="en-US" sz="3200" spc="-5" dirty="0">
                 <a:solidFill>
@@ -16413,6 +16471,9 @@
               </a:rPr>
               <a:t>&gt;</a:t>
             </a:r>
+          </a:p>
+          <a:p>
+            <a:pPr marL="706120"/>
             <a:endParaRPr lang="en-US" sz="2000" dirty="0">
               <a:solidFill>
                 <a:srgbClr val="5F5F5F"/>
@@ -16423,9 +16484,6 @@
           </a:p>
           <a:p>
             <a:pPr marL="12700" marR="1287145">
-              <a:lnSpc>
-                <a:spcPct val="150000"/>
-              </a:lnSpc>
               <a:spcBef>
                 <a:spcPts val="3445"/>
               </a:spcBef>
@@ -17298,7 +17356,7 @@
         </p:blipFill>
         <p:spPr>
           <a:xfrm>
-            <a:off x="8178800" y="2210881"/>
+            <a:off x="8178800" y="2231353"/>
             <a:ext cx="3619500" cy="5747632"/>
           </a:xfrm>
           <a:prstGeom prst="rect">
@@ -17433,7 +17491,7 @@
         <p:spPr>
           <a:xfrm>
             <a:off x="1955800" y="2679700"/>
-            <a:ext cx="9079865" cy="3752309"/>
+            <a:ext cx="9079865" cy="2752035"/>
           </a:xfrm>
           <a:prstGeom prst="rect">
             <a:avLst/>
@@ -17600,29 +17658,10 @@
             </a:endParaRPr>
           </a:p>
           <a:p>
-            <a:pPr>
+            <a:pPr marL="73025">
               <a:lnSpc>
                 <a:spcPct val="100000"/>
               </a:lnSpc>
-              <a:spcBef>
-                <a:spcPts val="45"/>
-              </a:spcBef>
-              <a:buClr>
-                <a:srgbClr val="5F5F5F"/>
-              </a:buClr>
-            </a:pPr>
-            <a:endParaRPr sz="3300" dirty="0">
-              <a:latin typeface="Times New Roman"/>
-              <a:cs typeface="Times New Roman"/>
-            </a:endParaRPr>
-          </a:p>
-          <a:p>
-            <a:pPr marL="615315" indent="-542290">
-              <a:lnSpc>
-                <a:spcPct val="100000"/>
-              </a:lnSpc>
-              <a:buFont typeface="Symbol"/>
-              <a:buChar char=""/>
               <a:tabLst>
                 <a:tab pos="615315" algn="l"/>
                 <a:tab pos="615950" algn="l"/>
@@ -17668,17 +17707,13 @@
               </a:rPr>
               <a:t>around</a:t>
             </a:r>
-            <a:endParaRPr sz="3200" dirty="0">
-              <a:latin typeface="Georgia"/>
-              <a:cs typeface="Georgia"/>
-            </a:endParaRPr>
-          </a:p>
-          <a:p>
-            <a:pPr marL="615315" marR="2080260">
-              <a:lnSpc>
-                <a:spcPct val="100000"/>
-              </a:lnSpc>
-            </a:pPr>
+            <a:r>
+              <a:rPr lang="en-US" sz="3200" dirty="0">
+                <a:latin typeface="Georgia"/>
+                <a:cs typeface="Georgia"/>
+              </a:rPr>
+              <a:t> </a:t>
+            </a:r>
             <a:r>
               <a:rPr sz="3200" dirty="0">
                 <a:solidFill>
@@ -17737,7 +17772,7 @@
                 <a:latin typeface="Georgia"/>
                 <a:cs typeface="Georgia"/>
               </a:rPr>
-              <a:t>be  changed with</a:t>
+              <a:t>be changed with</a:t>
             </a:r>
             <a:r>
               <a:rPr sz="3200" spc="-55" dirty="0">
@@ -17893,8 +17928,8 @@
         </p:nvSpPr>
         <p:spPr>
           <a:xfrm>
-            <a:off x="2463800" y="2895600"/>
-            <a:ext cx="8534400" cy="4762842"/>
+            <a:off x="1320800" y="2438400"/>
+            <a:ext cx="6019800" cy="5975995"/>
           </a:xfrm>
           <a:prstGeom prst="rect">
             <a:avLst/>
@@ -17906,79 +17941,10 @@
           </a:bodyPr>
           <a:lstStyle/>
           <a:p>
-            <a:pPr marL="571500" lvl="0" indent="-558800">
-              <a:buFont typeface="Symbol"/>
-              <a:buChar char=""/>
-              <a:tabLst>
-                <a:tab pos="570865" algn="l"/>
-                <a:tab pos="571500" algn="l"/>
-              </a:tabLst>
-            </a:pPr>
-            <a:r>
-              <a:rPr lang="en-US" sz="3600" spc="-5" dirty="0">
-                <a:solidFill>
-                  <a:srgbClr val="5F5F5F"/>
-                </a:solidFill>
-                <a:latin typeface="Consolas"/>
-                <a:cs typeface="Consolas"/>
-              </a:rPr>
-              <a:t>&lt;</a:t>
-            </a:r>
-            <a:r>
-              <a:rPr lang="en-US" sz="3600" spc="-5" dirty="0">
-                <a:solidFill>
-                  <a:srgbClr val="7F007F"/>
-                </a:solidFill>
-                <a:latin typeface="Consolas"/>
-                <a:cs typeface="Consolas"/>
-              </a:rPr>
-              <a:t>header</a:t>
-            </a:r>
-            <a:r>
-              <a:rPr lang="en-US" sz="3600" spc="-5" dirty="0">
-                <a:solidFill>
-                  <a:srgbClr val="5F5F5F"/>
-                </a:solidFill>
-                <a:latin typeface="Consolas"/>
-                <a:cs typeface="Consolas"/>
-              </a:rPr>
-              <a:t>&gt;</a:t>
-            </a:r>
-            <a:r>
-              <a:rPr lang="en-US" sz="3600" spc="-915" dirty="0">
-                <a:solidFill>
-                  <a:srgbClr val="5F5F5F"/>
-                </a:solidFill>
-                <a:latin typeface="Consolas"/>
-                <a:cs typeface="Consolas"/>
-              </a:rPr>
-              <a:t> </a:t>
-            </a:r>
-            <a:r>
-              <a:rPr lang="en-US" sz="3600" spc="-5" dirty="0">
-                <a:solidFill>
-                  <a:srgbClr val="5F5F5F"/>
-                </a:solidFill>
-                <a:latin typeface="Georgia"/>
-                <a:cs typeface="Georgia"/>
-              </a:rPr>
-              <a:t>wraps header content</a:t>
-            </a:r>
-            <a:endParaRPr lang="en-US" sz="3600" dirty="0">
-              <a:solidFill>
-                <a:prstClr val="black"/>
-              </a:solidFill>
-              <a:latin typeface="Georgia"/>
-              <a:cs typeface="Georgia"/>
-            </a:endParaRPr>
-          </a:p>
-          <a:p>
-            <a:pPr marL="571500" lvl="0" indent="-558800">
+            <a:pPr marL="12700" lvl="0">
               <a:spcBef>
                 <a:spcPts val="3535"/>
               </a:spcBef>
-              <a:buFont typeface="Symbol"/>
-              <a:buChar char=""/>
               <a:tabLst>
                 <a:tab pos="570865" algn="l"/>
                 <a:tab pos="571500" algn="l"/>
@@ -17996,43 +17962,226 @@
               <a:t>&lt;</a:t>
             </a:r>
             <a:r>
+              <a:rPr lang="en-US" sz="3600" spc="-5" dirty="0" err="1">
+                <a:solidFill>
+                  <a:srgbClr val="7F007F"/>
+                </a:solidFill>
+                <a:latin typeface="Consolas"/>
+                <a:cs typeface="Consolas"/>
+              </a:rPr>
+              <a:t>nav</a:t>
+            </a:r>
+            <a:r>
               <a:rPr lang="en-US" sz="3600" spc="-5" dirty="0">
                 <a:solidFill>
-                  <a:srgbClr val="7F007F"/>
-                </a:solidFill>
-                <a:latin typeface="Consolas"/>
-                <a:cs typeface="Consolas"/>
-              </a:rPr>
-              <a:t>footer</a:t>
+                  <a:srgbClr val="5F5F5F"/>
+                </a:solidFill>
+                <a:latin typeface="Consolas"/>
+                <a:cs typeface="Consolas"/>
+              </a:rPr>
+              <a:t>&gt; </a:t>
             </a:r>
             <a:r>
               <a:rPr lang="en-US" sz="3600" spc="-5" dirty="0">
                 <a:solidFill>
                   <a:srgbClr val="5F5F5F"/>
                 </a:solidFill>
-                <a:latin typeface="Consolas"/>
-                <a:cs typeface="Consolas"/>
-              </a:rPr>
-              <a:t>&gt; </a:t>
-            </a:r>
-            <a:r>
-              <a:rPr lang="en-US" sz="3600" spc="-5" dirty="0">
-                <a:solidFill>
-                  <a:srgbClr val="5F5F5F"/>
-                </a:solidFill>
-                <a:latin typeface="Georgia"/>
-                <a:cs typeface="Georgia"/>
-              </a:rPr>
-              <a:t>wraps footer content</a:t>
-            </a:r>
-          </a:p>
-          <a:p>
-            <a:pPr marL="571500" lvl="0" indent="-558800">
+                <a:latin typeface="Georgia"/>
+                <a:cs typeface="Georgia"/>
+              </a:rPr>
+              <a:t>indicates that everything inside is related to navigation</a:t>
+            </a:r>
+            <a:endParaRPr lang="en-US" sz="800" spc="-5" dirty="0">
+              <a:solidFill>
+                <a:srgbClr val="5F5F5F"/>
+              </a:solidFill>
+              <a:latin typeface="Georgia"/>
+              <a:cs typeface="Georgia"/>
+            </a:endParaRPr>
+          </a:p>
+          <a:p>
+            <a:pPr marL="12700" lvl="0">
               <a:spcBef>
                 <a:spcPts val="3535"/>
               </a:spcBef>
-              <a:buFont typeface="Symbol"/>
-              <a:buChar char=""/>
+              <a:tabLst>
+                <a:tab pos="570865" algn="l"/>
+                <a:tab pos="571500" algn="l"/>
+              </a:tabLst>
+            </a:pPr>
+            <a:r>
+              <a:rPr lang="en-US" sz="3600" spc="-5" dirty="0">
+                <a:solidFill>
+                  <a:srgbClr val="5F5F5F"/>
+                </a:solidFill>
+                <a:latin typeface="Consolas"/>
+                <a:cs typeface="Consolas"/>
+              </a:rPr>
+              <a:t>&lt;</a:t>
+            </a:r>
+            <a:r>
+              <a:rPr lang="en-US" sz="3600" spc="-5" dirty="0">
+                <a:solidFill>
+                  <a:srgbClr val="7F007F"/>
+                </a:solidFill>
+                <a:latin typeface="Consolas"/>
+                <a:cs typeface="Consolas"/>
+              </a:rPr>
+              <a:t>section</a:t>
+            </a:r>
+            <a:r>
+              <a:rPr lang="en-US" sz="3600" spc="-5" dirty="0">
+                <a:solidFill>
+                  <a:srgbClr val="5F5F5F"/>
+                </a:solidFill>
+                <a:latin typeface="Consolas"/>
+                <a:cs typeface="Consolas"/>
+              </a:rPr>
+              <a:t>&gt;</a:t>
+            </a:r>
+            <a:r>
+              <a:rPr lang="en-US" sz="3600" spc="-5" dirty="0">
+                <a:solidFill>
+                  <a:srgbClr val="5F5F5F"/>
+                </a:solidFill>
+                <a:latin typeface="Georgia"/>
+                <a:cs typeface="Consolas"/>
+              </a:rPr>
+              <a:t>,</a:t>
+            </a:r>
+            <a:r>
+              <a:rPr lang="en-US" sz="3600" spc="-975" dirty="0">
+                <a:solidFill>
+                  <a:srgbClr val="5F5F5F"/>
+                </a:solidFill>
+                <a:latin typeface="Consolas"/>
+                <a:cs typeface="Consolas"/>
+              </a:rPr>
+              <a:t> </a:t>
+            </a:r>
+            <a:r>
+              <a:rPr lang="en-US" sz="3600" spc="-5" dirty="0">
+                <a:solidFill>
+                  <a:srgbClr val="5F5F5F"/>
+                </a:solidFill>
+                <a:latin typeface="Consolas"/>
+                <a:cs typeface="Consolas"/>
+              </a:rPr>
+              <a:t>&lt;</a:t>
+            </a:r>
+            <a:r>
+              <a:rPr lang="en-US" sz="3600" spc="-5" dirty="0">
+                <a:solidFill>
+                  <a:srgbClr val="7F007F"/>
+                </a:solidFill>
+                <a:latin typeface="Consolas"/>
+                <a:cs typeface="Consolas"/>
+              </a:rPr>
+              <a:t>article</a:t>
+            </a:r>
+            <a:r>
+              <a:rPr lang="en-US" sz="3600" spc="-5" dirty="0">
+                <a:solidFill>
+                  <a:srgbClr val="5F5F5F"/>
+                </a:solidFill>
+                <a:latin typeface="Consolas"/>
+                <a:cs typeface="Consolas"/>
+              </a:rPr>
+              <a:t>&gt;</a:t>
+            </a:r>
+            <a:r>
+              <a:rPr lang="en-US" sz="3600" spc="-975" dirty="0">
+                <a:solidFill>
+                  <a:srgbClr val="5F5F5F"/>
+                </a:solidFill>
+                <a:latin typeface="Consolas"/>
+                <a:cs typeface="Consolas"/>
+              </a:rPr>
+              <a:t> </a:t>
+            </a:r>
+            <a:r>
+              <a:rPr lang="en-US" sz="3600" spc="-5" dirty="0">
+                <a:solidFill>
+                  <a:srgbClr val="5F5F5F"/>
+                </a:solidFill>
+                <a:latin typeface="Georgia"/>
+                <a:cs typeface="Consolas"/>
+              </a:rPr>
+              <a:t>and </a:t>
+            </a:r>
+            <a:r>
+              <a:rPr lang="en-US" sz="3600" spc="-5" dirty="0">
+                <a:solidFill>
+                  <a:srgbClr val="5F5F5F"/>
+                </a:solidFill>
+                <a:latin typeface="Consolas"/>
+                <a:cs typeface="Consolas"/>
+              </a:rPr>
+              <a:t>&lt;</a:t>
+            </a:r>
+            <a:r>
+              <a:rPr lang="en-US" sz="3600" spc="-5" dirty="0">
+                <a:solidFill>
+                  <a:srgbClr val="7F007F"/>
+                </a:solidFill>
+                <a:latin typeface="Consolas"/>
+                <a:cs typeface="Consolas"/>
+              </a:rPr>
+              <a:t>main</a:t>
+            </a:r>
+            <a:r>
+              <a:rPr lang="en-US" sz="3600" spc="-5" dirty="0">
+                <a:solidFill>
+                  <a:srgbClr val="5F5F5F"/>
+                </a:solidFill>
+                <a:latin typeface="Consolas"/>
+                <a:cs typeface="Consolas"/>
+              </a:rPr>
+              <a:t>&gt;</a:t>
+            </a:r>
+            <a:r>
+              <a:rPr lang="en-US" sz="3600" spc="-975" dirty="0">
+                <a:solidFill>
+                  <a:srgbClr val="5F5F5F"/>
+                </a:solidFill>
+                <a:latin typeface="Consolas"/>
+                <a:cs typeface="Consolas"/>
+              </a:rPr>
+              <a:t> </a:t>
+            </a:r>
+            <a:r>
+              <a:rPr lang="en-US" sz="3600" spc="-5" dirty="0">
+                <a:solidFill>
+                  <a:srgbClr val="5F5F5F"/>
+                </a:solidFill>
+                <a:latin typeface="Georgia"/>
+                <a:cs typeface="Consolas"/>
+              </a:rPr>
+              <a:t>are u</a:t>
+            </a:r>
+            <a:r>
+              <a:rPr lang="en-US" sz="3600" spc="-5" dirty="0">
+                <a:solidFill>
+                  <a:srgbClr val="5F5F5F"/>
+                </a:solidFill>
+                <a:latin typeface="Georgia"/>
+                <a:cs typeface="Georgia"/>
+              </a:rPr>
+              <a:t>sed to define content sections</a:t>
+            </a:r>
+            <a:endParaRPr lang="en-US" sz="800" spc="-5" dirty="0">
+              <a:solidFill>
+                <a:srgbClr val="5F5F5F"/>
+              </a:solidFill>
+              <a:latin typeface="Georgia"/>
+              <a:cs typeface="Georgia"/>
+            </a:endParaRPr>
+          </a:p>
+          <a:p>
+            <a:pPr marL="12700" lvl="0">
+              <a:spcBef>
+                <a:spcPts val="3535"/>
+              </a:spcBef>
               <a:tabLst>
                 <a:tab pos="570865" algn="l"/>
                 <a:tab pos="571500" algn="l"/>
@@ -18050,14 +18199,14 @@
               <a:t>&lt;</a:t>
             </a:r>
             <a:r>
-              <a:rPr lang="en-US" sz="3600" spc="-5" dirty="0" err="1">
+              <a:rPr lang="en-US" sz="3600" spc="-5" dirty="0">
                 <a:solidFill>
                   <a:srgbClr val="7F007F"/>
                 </a:solidFill>
                 <a:latin typeface="Consolas"/>
                 <a:cs typeface="Consolas"/>
               </a:rPr>
-              <a:t>nav</a:t>
+              <a:t>footer</a:t>
             </a:r>
             <a:r>
               <a:rPr lang="en-US" sz="3600" spc="-5" dirty="0">
@@ -18077,78 +18226,45 @@
                 <a:latin typeface="Georgia"/>
                 <a:cs typeface="Georgia"/>
               </a:rPr>
-              <a:t>indicates that everything inside is related to navigation</a:t>
-            </a:r>
-          </a:p>
-          <a:p>
-            <a:pPr marL="571500" lvl="0" indent="-558800">
-              <a:spcBef>
-                <a:spcPts val="3535"/>
-              </a:spcBef>
-              <a:buFont typeface="Symbol"/>
-              <a:buChar char=""/>
-              <a:tabLst>
-                <a:tab pos="570865" algn="l"/>
-                <a:tab pos="571500" algn="l"/>
-              </a:tabLst>
-            </a:pPr>
-            <a:r>
-              <a:rPr lang="en-US" sz="3600" spc="-5" dirty="0">
-                <a:solidFill>
-                  <a:srgbClr val="5F5F5F"/>
-                </a:solidFill>
-                <a:latin typeface="Consolas"/>
-                <a:cs typeface="Consolas"/>
-              </a:rPr>
-              <a:t>&lt;</a:t>
-            </a:r>
-            <a:r>
-              <a:rPr lang="en-US" sz="3600" spc="-5" dirty="0">
-                <a:solidFill>
-                  <a:srgbClr val="7F007F"/>
-                </a:solidFill>
-                <a:latin typeface="Consolas"/>
-                <a:cs typeface="Consolas"/>
-              </a:rPr>
-              <a:t>section</a:t>
-            </a:r>
-            <a:r>
-              <a:rPr lang="en-US" sz="3600" spc="-5" dirty="0">
-                <a:solidFill>
-                  <a:srgbClr val="5F5F5F"/>
-                </a:solidFill>
-                <a:latin typeface="Consolas"/>
-                <a:cs typeface="Consolas"/>
-              </a:rPr>
-              <a:t>&gt;</a:t>
-            </a:r>
-            <a:r>
-              <a:rPr lang="en-US" sz="3600" spc="-975" dirty="0">
-                <a:solidFill>
-                  <a:srgbClr val="5F5F5F"/>
-                </a:solidFill>
-                <a:latin typeface="Consolas"/>
-                <a:cs typeface="Consolas"/>
-              </a:rPr>
-              <a:t> </a:t>
-            </a:r>
-            <a:r>
-              <a:rPr lang="en-US" sz="3600" spc="-5" dirty="0">
-                <a:solidFill>
-                  <a:srgbClr val="5F5F5F"/>
-                </a:solidFill>
-                <a:latin typeface="Georgia"/>
-                <a:cs typeface="Georgia"/>
-              </a:rPr>
-              <a:t>is used to define content sections</a:t>
+              <a:t>wraps footer content (for example copyright)</a:t>
             </a:r>
           </a:p>
         </p:txBody>
       </p:sp>
+      <p:pic>
+        <p:nvPicPr>
+          <p:cNvPr id="4" name="Picture 3">
+            <a:extLst>
+              <a:ext uri="{FF2B5EF4-FFF2-40B4-BE49-F238E27FC236}">
+                <a16:creationId xmlns:a16="http://schemas.microsoft.com/office/drawing/2014/main" id="{899FFD24-381E-4A81-AFB9-9F098AEB492B}"/>
+              </a:ext>
+            </a:extLst>
+          </p:cNvPr>
+          <p:cNvPicPr>
+            <a:picLocks noChangeAspect="1"/>
+          </p:cNvPicPr>
+          <p:nvPr/>
+        </p:nvPicPr>
+        <p:blipFill>
+          <a:blip r:embed="rId2"/>
+          <a:stretch>
+            <a:fillRect/>
+          </a:stretch>
+        </p:blipFill>
+        <p:spPr>
+          <a:xfrm>
+            <a:off x="7493000" y="2213877"/>
+            <a:ext cx="5000625" cy="5871041"/>
+          </a:xfrm>
+          <a:prstGeom prst="rect">
+            <a:avLst/>
+          </a:prstGeom>
+        </p:spPr>
+      </p:pic>
     </p:spTree>
     <p:extLst>
       <p:ext uri="{BB962C8B-B14F-4D97-AF65-F5344CB8AC3E}">
-        <p14:creationId xmlns:p14="http://schemas.microsoft.com/office/powerpoint/2010/main" val="2083551534"/>
+        <p14:creationId xmlns:p14="http://schemas.microsoft.com/office/powerpoint/2010/main" val="2415873598"/>
       </p:ext>
     </p:extLst>
   </p:cSld>
@@ -19327,7 +19443,7 @@
         <p:spPr>
           <a:xfrm>
             <a:off x="1549400" y="2667000"/>
-            <a:ext cx="9525000" cy="6694140"/>
+            <a:ext cx="9525000" cy="5647700"/>
           </a:xfrm>
           <a:prstGeom prst="rect">
             <a:avLst/>
@@ -19359,144 +19475,14 @@
                 <a:latin typeface="Georgia"/>
                 <a:cs typeface="Georgia"/>
               </a:rPr>
-              <a:t>B</a:t>
-            </a:r>
-            <a:r>
-              <a:rPr sz="3300" dirty="0">
-                <a:solidFill>
-                  <a:srgbClr val="5F5F5F"/>
-                </a:solidFill>
-                <a:latin typeface="Georgia"/>
-                <a:cs typeface="Georgia"/>
-              </a:rPr>
-              <a:t>asic </a:t>
-            </a:r>
-            <a:r>
-              <a:rPr sz="3300" spc="-5" dirty="0">
-                <a:solidFill>
-                  <a:srgbClr val="5F5F5F"/>
-                </a:solidFill>
-                <a:latin typeface="Georgia"/>
-                <a:cs typeface="Georgia"/>
-              </a:rPr>
-              <a:t>rules of </a:t>
-            </a:r>
-            <a:r>
-              <a:rPr sz="3300" dirty="0">
-                <a:solidFill>
-                  <a:srgbClr val="5F5F5F"/>
-                </a:solidFill>
-                <a:latin typeface="Georgia"/>
-                <a:cs typeface="Georgia"/>
-              </a:rPr>
-              <a:t>HTML and</a:t>
-            </a:r>
-            <a:r>
-              <a:rPr sz="3300" spc="-70" dirty="0">
-                <a:solidFill>
-                  <a:srgbClr val="5F5F5F"/>
-                </a:solidFill>
-                <a:latin typeface="Georgia"/>
-                <a:cs typeface="Georgia"/>
-              </a:rPr>
-              <a:t> </a:t>
-            </a:r>
-            <a:r>
-              <a:rPr sz="3300" dirty="0">
-                <a:solidFill>
-                  <a:srgbClr val="5F5F5F"/>
-                </a:solidFill>
-                <a:latin typeface="Georgia"/>
-                <a:cs typeface="Georgia"/>
-              </a:rPr>
-              <a:t>CSS</a:t>
-            </a:r>
-            <a:endParaRPr sz="3300" dirty="0">
-              <a:latin typeface="Georgia"/>
-              <a:cs typeface="Georgia"/>
-            </a:endParaRPr>
-          </a:p>
-          <a:p>
-            <a:pPr>
-              <a:lnSpc>
-                <a:spcPct val="100000"/>
-              </a:lnSpc>
-              <a:spcBef>
-                <a:spcPts val="15"/>
-              </a:spcBef>
-              <a:buClr>
-                <a:srgbClr val="5F5F5F"/>
-              </a:buClr>
-              <a:buFont typeface="Lora"/>
-              <a:buChar char="•"/>
-            </a:pPr>
-            <a:endParaRPr sz="3500" dirty="0">
-              <a:latin typeface="Times New Roman"/>
-              <a:cs typeface="Times New Roman"/>
-            </a:endParaRPr>
-          </a:p>
-          <a:p>
-            <a:pPr marL="440055" indent="-427355">
-              <a:lnSpc>
-                <a:spcPct val="100000"/>
-              </a:lnSpc>
-              <a:buSzPct val="74242"/>
-              <a:buFont typeface="Lora"/>
-              <a:buChar char="•"/>
-              <a:tabLst>
-                <a:tab pos="440055" algn="l"/>
-                <a:tab pos="440690" algn="l"/>
-              </a:tabLst>
-            </a:pPr>
-            <a:r>
-              <a:rPr sz="3300" spc="-5" dirty="0">
-                <a:solidFill>
-                  <a:srgbClr val="5F5F5F"/>
-                </a:solidFill>
-                <a:latin typeface="Georgia"/>
-                <a:cs typeface="Georgia"/>
-              </a:rPr>
-              <a:t>Using </a:t>
-            </a:r>
-            <a:r>
-              <a:rPr sz="3300" dirty="0">
-                <a:solidFill>
-                  <a:srgbClr val="5F5F5F"/>
-                </a:solidFill>
-                <a:latin typeface="Georgia"/>
-                <a:cs typeface="Georgia"/>
-              </a:rPr>
-              <a:t>CSS </a:t>
-            </a:r>
-            <a:r>
-              <a:rPr sz="3300" spc="-5" dirty="0">
-                <a:solidFill>
-                  <a:srgbClr val="5F5F5F"/>
-                </a:solidFill>
-                <a:latin typeface="Georgia"/>
-                <a:cs typeface="Georgia"/>
-              </a:rPr>
-              <a:t>to style web</a:t>
-            </a:r>
-            <a:r>
-              <a:rPr sz="3300" spc="-10" dirty="0">
-                <a:solidFill>
-                  <a:srgbClr val="5F5F5F"/>
-                </a:solidFill>
-                <a:latin typeface="Georgia"/>
-                <a:cs typeface="Georgia"/>
-              </a:rPr>
-              <a:t> </a:t>
-            </a:r>
-            <a:r>
-              <a:rPr sz="3300" spc="-5" dirty="0">
-                <a:solidFill>
-                  <a:srgbClr val="5F5F5F"/>
-                </a:solidFill>
-                <a:latin typeface="Georgia"/>
-                <a:cs typeface="Georgia"/>
-              </a:rPr>
-              <a:t>pages</a:t>
+              <a:t>Basics of HTML</a:t>
+            </a:r>
+            <a:r>
+              <a:rPr lang="en-US" sz="3300" dirty="0">
+                <a:latin typeface="Georgia"/>
+                <a:cs typeface="Georgia"/>
+              </a:rPr>
+              <a:t> and CSS</a:t>
             </a:r>
             <a:endParaRPr sz="3300" dirty="0">
               <a:latin typeface="Georgia"/>
@@ -21132,7 +21118,7 @@
         <p:spPr>
           <a:xfrm>
             <a:off x="1891347" y="4495800"/>
-            <a:ext cx="8917305" cy="3413125"/>
+            <a:ext cx="8917305" cy="3949799"/>
           </a:xfrm>
           <a:prstGeom prst="rect">
             <a:avLst/>
@@ -21168,6 +21154,16 @@
               <a:t>Images	</a:t>
             </a:r>
             <a:r>
+              <a:rPr lang="en-US" sz="3200" spc="-5" dirty="0">
+                <a:solidFill>
+                  <a:srgbClr val="5F5F5F"/>
+                </a:solidFill>
+                <a:latin typeface="Georgia"/>
+                <a:cs typeface="Georgia"/>
+              </a:rPr>
+              <a:t>are “self-</a:t>
+            </a:r>
+            <a:r>
               <a:rPr sz="3200" spc="-5" dirty="0">
                 <a:solidFill>
                   <a:srgbClr val="5F5F5F"/>
@@ -21175,29 +21171,19 @@
                 <a:latin typeface="Georgia"/>
                 <a:cs typeface="Georgia"/>
               </a:rPr>
-              <a:t>do </a:t>
-            </a:r>
-            <a:r>
-              <a:rPr sz="3200" dirty="0">
-                <a:solidFill>
-                  <a:srgbClr val="5F5F5F"/>
-                </a:solidFill>
-                <a:latin typeface="Georgia"/>
-                <a:cs typeface="Georgia"/>
-              </a:rPr>
-              <a:t>not have a </a:t>
-            </a:r>
-            <a:r>
-              <a:rPr sz="3200" spc="-5" dirty="0">
-                <a:solidFill>
-                  <a:srgbClr val="5F5F5F"/>
-                </a:solidFill>
-                <a:latin typeface="Georgia"/>
-                <a:cs typeface="Georgia"/>
-              </a:rPr>
               <a:t>closing</a:t>
             </a:r>
             <a:r>
+              <a:rPr lang="en-US" sz="3200" spc="-5" dirty="0">
+                <a:solidFill>
+                  <a:srgbClr val="5F5F5F"/>
+                </a:solidFill>
+                <a:latin typeface="Georgia"/>
+                <a:cs typeface="Georgia"/>
+              </a:rPr>
+              <a:t>"</a:t>
+            </a:r>
+            <a:r>
               <a:rPr sz="3200" spc="-65" dirty="0">
                 <a:solidFill>
                   <a:srgbClr val="5F5F5F"/>
@@ -21208,14 +21194,34 @@
               <a:t> </a:t>
             </a:r>
             <a:r>
-              <a:rPr sz="3200" spc="-5" dirty="0">
-                <a:solidFill>
-                  <a:srgbClr val="5F5F5F"/>
-                </a:solidFill>
-                <a:latin typeface="Georgia"/>
-                <a:cs typeface="Georgia"/>
-              </a:rPr>
-              <a:t>tag</a:t>
+              <a:rPr lang="en-US" sz="3200" spc="-5" dirty="0">
+                <a:solidFill>
+                  <a:srgbClr val="5F5F5F"/>
+                </a:solidFill>
+                <a:latin typeface="Georgia"/>
+                <a:cs typeface="Georgia"/>
+              </a:rPr>
+              <a:t>(meaning they end with  </a:t>
+            </a:r>
+            <a:r>
+              <a:rPr lang="en-US" sz="3200" dirty="0">
+                <a:solidFill>
+                  <a:srgbClr val="0000FF"/>
+                </a:solidFill>
+                <a:latin typeface="Consolas"/>
+                <a:cs typeface="Consolas"/>
+              </a:rPr>
+              <a:t>/&gt;</a:t>
+            </a:r>
+            <a:r>
+              <a:rPr lang="en-US" sz="3200" spc="-5" dirty="0">
+                <a:solidFill>
+                  <a:srgbClr val="5F5F5F"/>
+                </a:solidFill>
+                <a:latin typeface="Georgia"/>
+                <a:cs typeface="Georgia"/>
+              </a:rPr>
+              <a:t>)</a:t>
             </a:r>
             <a:endParaRPr sz="3200" dirty="0">
               <a:latin typeface="Georgia"/>
@@ -22898,7 +22904,7 @@
         <p:spPr>
           <a:xfrm>
             <a:off x="1062266" y="2217343"/>
-            <a:ext cx="10067290" cy="5207000"/>
+            <a:ext cx="10067290" cy="5724259"/>
           </a:xfrm>
           <a:prstGeom prst="rect">
             <a:avLst/>
@@ -23272,27 +23278,47 @@
                 <a:latin typeface="Georgia" panose="02040502050405020303" pitchFamily="18" charset="0"/>
                 <a:cs typeface="Lora"/>
               </a:rPr>
-              <a:t>It </a:t>
-            </a:r>
-            <a:r>
-              <a:rPr sz="3200" dirty="0">
+              <a:t>It</a:t>
+            </a:r>
+            <a:r>
+              <a:rPr lang="en-US" sz="3200" spc="-5" dirty="0">
                 <a:solidFill>
                   <a:srgbClr val="5F5F5F"/>
                 </a:solidFill>
                 <a:latin typeface="Georgia" panose="02040502050405020303" pitchFamily="18" charset="0"/>
                 <a:cs typeface="Lora"/>
               </a:rPr>
-              <a:t>is </a:t>
-            </a:r>
-            <a:r>
-              <a:rPr sz="3200" spc="-5" dirty="0">
+              <a:t>'</a:t>
+            </a:r>
+            <a:r>
+              <a:rPr sz="3200" dirty="0">
                 <a:solidFill>
                   <a:srgbClr val="5F5F5F"/>
                 </a:solidFill>
                 <a:latin typeface="Georgia" panose="02040502050405020303" pitchFamily="18" charset="0"/>
                 <a:cs typeface="Lora"/>
               </a:rPr>
+              <a:t>s </a:t>
+            </a:r>
+            <a:r>
+              <a:rPr sz="3200" spc="-5" dirty="0">
+                <a:solidFill>
+                  <a:srgbClr val="5F5F5F"/>
+                </a:solidFill>
+                <a:latin typeface="Georgia" panose="02040502050405020303" pitchFamily="18" charset="0"/>
+                <a:cs typeface="Lora"/>
+              </a:rPr>
               <a:t>read </a:t>
+            </a:r>
+            <a:r>
+              <a:rPr lang="en-US" sz="3200" spc="-5" dirty="0">
+                <a:solidFill>
+                  <a:srgbClr val="5F5F5F"/>
+                </a:solidFill>
+                <a:latin typeface="Georgia" panose="02040502050405020303" pitchFamily="18" charset="0"/>
+                <a:cs typeface="Lora"/>
+              </a:rPr>
+              <a:t>aloud </a:t>
             </a:r>
             <a:r>
               <a:rPr sz="3200" dirty="0">
@@ -23399,14 +23425,44 @@
               <a:t> </a:t>
             </a:r>
             <a:r>
-              <a:rPr sz="3200" dirty="0">
+              <a:rPr lang="en-US" sz="3200" dirty="0">
                 <a:solidFill>
                   <a:srgbClr val="5F5F5F"/>
                 </a:solidFill>
                 <a:latin typeface="Georgia" panose="02040502050405020303" pitchFamily="18" charset="0"/>
                 <a:cs typeface="Lora"/>
               </a:rPr>
-              <a:t>opens link in a new </a:t>
+              <a:t>forces the</a:t>
+            </a:r>
+            <a:r>
+              <a:rPr sz="3200" dirty="0">
+                <a:solidFill>
+                  <a:srgbClr val="5F5F5F"/>
+                </a:solidFill>
+                <a:latin typeface="Georgia" panose="02040502050405020303" pitchFamily="18" charset="0"/>
+                <a:cs typeface="Lora"/>
+              </a:rPr>
+              <a:t> link </a:t>
+            </a:r>
+            <a:r>
+              <a:rPr lang="en-US" sz="3200" dirty="0">
+                <a:solidFill>
+                  <a:srgbClr val="5F5F5F"/>
+                </a:solidFill>
+                <a:latin typeface="Georgia" panose="02040502050405020303" pitchFamily="18" charset="0"/>
+                <a:cs typeface="Lora"/>
+              </a:rPr>
+              <a:t>to open </a:t>
+            </a:r>
+            <a:r>
+              <a:rPr sz="3200" dirty="0">
+                <a:solidFill>
+                  <a:srgbClr val="5F5F5F"/>
+                </a:solidFill>
+                <a:latin typeface="Georgia" panose="02040502050405020303" pitchFamily="18" charset="0"/>
+                <a:cs typeface="Lora"/>
+              </a:rPr>
+              <a:t>in a new </a:t>
             </a:r>
             <a:r>
               <a:rPr sz="3200" spc="-5" dirty="0">
@@ -25227,7 +25283,7 @@
         <p:spPr>
           <a:xfrm>
             <a:off x="2006600" y="2670157"/>
-            <a:ext cx="8077200" cy="5596404"/>
+            <a:ext cx="8077200" cy="5714385"/>
           </a:xfrm>
           <a:prstGeom prst="rect">
             <a:avLst/>
@@ -25240,9 +25296,6 @@
           <a:lstStyle/>
           <a:p>
             <a:pPr marL="440055" indent="-427355">
-              <a:lnSpc>
-                <a:spcPct val="150000"/>
-              </a:lnSpc>
               <a:spcBef>
                 <a:spcPts val="2040"/>
               </a:spcBef>
@@ -25267,9 +25320,6 @@
           </a:p>
           <a:p>
             <a:pPr marL="440055" indent="-427355">
-              <a:lnSpc>
-                <a:spcPct val="150000"/>
-              </a:lnSpc>
               <a:spcBef>
                 <a:spcPts val="2040"/>
               </a:spcBef>
@@ -25282,25 +25332,18 @@
               </a:tabLst>
             </a:pPr>
             <a:r>
-              <a:rPr sz="3300" spc="-5" dirty="0">
-                <a:solidFill>
-                  <a:srgbClr val="5F5F5F"/>
-                </a:solidFill>
-                <a:latin typeface="Georgia"/>
-                <a:cs typeface="Georgia"/>
-              </a:rPr>
-              <a:t>Code editors</a:t>
-            </a:r>
-            <a:endParaRPr sz="3300" dirty="0">
-              <a:latin typeface="Georgia"/>
-              <a:cs typeface="Georgia"/>
-            </a:endParaRPr>
+              <a:rPr lang="en-US" sz="1000" spc="-5" dirty="0">
+                <a:solidFill>
+                  <a:srgbClr val="5F5F5F"/>
+                </a:solidFill>
+                <a:latin typeface="Georgia"/>
+                <a:cs typeface="Georgia"/>
+              </a:rPr>
+              <a:t> </a:t>
+            </a:r>
           </a:p>
           <a:p>
             <a:pPr marL="440055" indent="-427355">
-              <a:lnSpc>
-                <a:spcPct val="150000"/>
-              </a:lnSpc>
               <a:spcBef>
                 <a:spcPts val="2040"/>
               </a:spcBef>
@@ -25313,16 +25356,16 @@
               </a:tabLst>
             </a:pPr>
             <a:r>
-              <a:rPr sz="3300" dirty="0">
-                <a:solidFill>
-                  <a:srgbClr val="5F5F5F"/>
-                </a:solidFill>
-                <a:latin typeface="Georgia"/>
-                <a:cs typeface="Georgia"/>
-              </a:rPr>
-              <a:t>Basic HTML</a:t>
-            </a:r>
-            <a:endParaRPr lang="en-US" sz="3300" dirty="0">
+              <a:rPr sz="3300" spc="-5" dirty="0">
+                <a:solidFill>
+                  <a:srgbClr val="5F5F5F"/>
+                </a:solidFill>
+                <a:latin typeface="Georgia"/>
+                <a:cs typeface="Georgia"/>
+              </a:rPr>
+              <a:t>Code editors</a:t>
+            </a:r>
+            <a:endParaRPr lang="en-US" sz="3300" spc="-5" dirty="0">
               <a:solidFill>
                 <a:srgbClr val="5F5F5F"/>
               </a:solidFill>
@@ -25331,10 +25374,23 @@
             </a:endParaRPr>
           </a:p>
           <a:p>
+            <a:pPr marL="12700">
+              <a:spcBef>
+                <a:spcPts val="2040"/>
+              </a:spcBef>
+              <a:buSzPct val="74242"/>
+              <a:tabLst>
+                <a:tab pos="440055" algn="l"/>
+                <a:tab pos="440690" algn="l"/>
+              </a:tabLst>
+            </a:pPr>
+            <a:endParaRPr sz="1000" dirty="0">
+              <a:latin typeface="Georgia"/>
+              <a:cs typeface="Georgia"/>
+            </a:endParaRPr>
+          </a:p>
+          <a:p>
             <a:pPr marL="440055" indent="-427355">
-              <a:lnSpc>
-                <a:spcPct val="150000"/>
-              </a:lnSpc>
               <a:spcBef>
                 <a:spcPts val="2040"/>
               </a:spcBef>
@@ -25347,16 +25403,16 @@
               </a:tabLst>
             </a:pPr>
             <a:r>
-              <a:rPr lang="en-US" sz="3300" dirty="0">
-                <a:solidFill>
-                  <a:srgbClr val="5F5F5F"/>
-                </a:solidFill>
-                <a:latin typeface="Georgia"/>
-                <a:cs typeface="Georgia"/>
-              </a:rPr>
-              <a:t>Overview of CSS – font styling, colors, alignment</a:t>
-            </a:r>
-            <a:endParaRPr lang="en-US" sz="3300" spc="-5" dirty="0">
+              <a:rPr sz="3300" dirty="0">
+                <a:solidFill>
+                  <a:srgbClr val="5F5F5F"/>
+                </a:solidFill>
+                <a:latin typeface="Georgia"/>
+                <a:cs typeface="Georgia"/>
+              </a:rPr>
+              <a:t>Basic HTML</a:t>
+            </a:r>
+            <a:endParaRPr lang="en-US" sz="3300" dirty="0">
               <a:solidFill>
                 <a:srgbClr val="5F5F5F"/>
               </a:solidFill>
@@ -25366,9 +25422,72 @@
           </a:p>
           <a:p>
             <a:pPr marL="440055" indent="-427355">
-              <a:lnSpc>
-                <a:spcPct val="150000"/>
-              </a:lnSpc>
+              <a:spcBef>
+                <a:spcPts val="2040"/>
+              </a:spcBef>
+              <a:buSzPct val="74242"/>
+              <a:buFont typeface="Lora"/>
+              <a:buChar char="•"/>
+              <a:tabLst>
+                <a:tab pos="440055" algn="l"/>
+                <a:tab pos="440690" algn="l"/>
+              </a:tabLst>
+            </a:pPr>
+            <a:endParaRPr lang="en-US" sz="1000" dirty="0">
+              <a:solidFill>
+                <a:srgbClr val="5F5F5F"/>
+              </a:solidFill>
+              <a:latin typeface="Georgia"/>
+              <a:cs typeface="Georgia"/>
+            </a:endParaRPr>
+          </a:p>
+          <a:p>
+            <a:pPr marL="440055" indent="-427355">
+              <a:spcBef>
+                <a:spcPts val="2040"/>
+              </a:spcBef>
+              <a:buSzPct val="74242"/>
+              <a:buFont typeface="Lora"/>
+              <a:buChar char="•"/>
+              <a:tabLst>
+                <a:tab pos="440055" algn="l"/>
+                <a:tab pos="440690" algn="l"/>
+              </a:tabLst>
+            </a:pPr>
+            <a:r>
+              <a:rPr lang="en-US" sz="3300" dirty="0">
+                <a:solidFill>
+                  <a:srgbClr val="5F5F5F"/>
+                </a:solidFill>
+                <a:latin typeface="Georgia"/>
+                <a:cs typeface="Georgia"/>
+              </a:rPr>
+              <a:t>Overview of CSS – font styling, colors, alignment</a:t>
+            </a:r>
+          </a:p>
+          <a:p>
+            <a:pPr marL="440055" indent="-427355">
+              <a:spcBef>
+                <a:spcPts val="2040"/>
+              </a:spcBef>
+              <a:buSzPct val="74242"/>
+              <a:buFont typeface="Lora"/>
+              <a:buChar char="•"/>
+              <a:tabLst>
+                <a:tab pos="440055" algn="l"/>
+                <a:tab pos="440690" algn="l"/>
+              </a:tabLst>
+            </a:pPr>
+            <a:endParaRPr lang="en-US" sz="1000" spc="-5" dirty="0">
+              <a:solidFill>
+                <a:srgbClr val="5F5F5F"/>
+              </a:solidFill>
+              <a:latin typeface="Georgia"/>
+              <a:cs typeface="Georgia"/>
+            </a:endParaRPr>
+          </a:p>
+          <a:p>
+            <a:pPr marL="440055" indent="-427355">
               <a:spcBef>
                 <a:spcPts val="2040"/>
               </a:spcBef>
@@ -25548,7 +25667,7 @@
         <p:spPr>
           <a:xfrm>
             <a:off x="1394244" y="2075535"/>
-            <a:ext cx="9571990" cy="7455887"/>
+            <a:ext cx="9571990" cy="6978834"/>
           </a:xfrm>
           <a:prstGeom prst="rect">
             <a:avLst/>
@@ -25798,86 +25917,6 @@
               </a:rPr>
               <a:t>outside website. </a:t>
             </a:r>
-            <a:r>
-              <a:rPr sz="3100" dirty="0">
-                <a:solidFill>
-                  <a:srgbClr val="5F5F5F"/>
-                </a:solidFill>
-                <a:latin typeface="Georgia"/>
-                <a:cs typeface="Georgia"/>
-              </a:rPr>
-              <a:t>Bonus: have </a:t>
-            </a:r>
-            <a:r>
-              <a:rPr sz="3100" spc="-5" dirty="0">
-                <a:solidFill>
-                  <a:srgbClr val="5F5F5F"/>
-                </a:solidFill>
-                <a:latin typeface="Georgia"/>
-                <a:cs typeface="Georgia"/>
-              </a:rPr>
-              <a:t>the  </a:t>
-            </a:r>
-            <a:r>
-              <a:rPr sz="3100" dirty="0">
-                <a:solidFill>
-                  <a:srgbClr val="5F5F5F"/>
-                </a:solidFill>
-                <a:latin typeface="Georgia"/>
-                <a:cs typeface="Georgia"/>
-              </a:rPr>
-              <a:t>link </a:t>
-            </a:r>
-            <a:r>
-              <a:rPr sz="3100" spc="-5" dirty="0">
-                <a:solidFill>
-                  <a:srgbClr val="5F5F5F"/>
-                </a:solidFill>
-                <a:latin typeface="Georgia"/>
-                <a:cs typeface="Georgia"/>
-              </a:rPr>
-              <a:t>open </a:t>
-            </a:r>
-            <a:r>
-              <a:rPr sz="3100" dirty="0">
-                <a:solidFill>
-                  <a:srgbClr val="5F5F5F"/>
-                </a:solidFill>
-                <a:latin typeface="Georgia"/>
-                <a:cs typeface="Georgia"/>
-              </a:rPr>
-              <a:t>in a </a:t>
-            </a:r>
-            <a:r>
-              <a:rPr sz="3100" spc="-5" dirty="0">
-                <a:solidFill>
-                  <a:srgbClr val="5F5F5F"/>
-                </a:solidFill>
-                <a:latin typeface="Georgia"/>
-                <a:cs typeface="Georgia"/>
-              </a:rPr>
-              <a:t>new</a:t>
-            </a:r>
-            <a:r>
-              <a:rPr sz="3100" spc="-75" dirty="0">
-                <a:solidFill>
-                  <a:srgbClr val="5F5F5F"/>
-                </a:solidFill>
-                <a:latin typeface="Georgia"/>
-                <a:cs typeface="Georgia"/>
-              </a:rPr>
-              <a:t> </a:t>
-            </a:r>
-            <a:r>
-              <a:rPr sz="3100" spc="-5" dirty="0">
-                <a:solidFill>
-                  <a:srgbClr val="5F5F5F"/>
-                </a:solidFill>
-                <a:latin typeface="Georgia"/>
-                <a:cs typeface="Georgia"/>
-              </a:rPr>
-              <a:t>tab</a:t>
-            </a:r>
             <a:endParaRPr sz="3100" dirty="0">
               <a:latin typeface="Georgia"/>
               <a:cs typeface="Georgia"/>
@@ -25917,7 +25956,7 @@
                 <a:latin typeface="Georgia"/>
                 <a:cs typeface="Georgia"/>
               </a:rPr>
-              <a:t>three</a:t>
+              <a:t>some</a:t>
             </a:r>
             <a:r>
               <a:rPr sz="3100" dirty="0">
@@ -27441,7 +27480,7 @@
         <p:spPr>
           <a:xfrm>
             <a:off x="1567243" y="2292451"/>
-            <a:ext cx="9278557" cy="6647974"/>
+            <a:ext cx="10573957" cy="5539978"/>
           </a:xfrm>
           <a:prstGeom prst="rect">
             <a:avLst/>
@@ -27462,7 +27501,27 @@
                 <a:latin typeface="Georgia" panose="02040502050405020303" pitchFamily="18" charset="0"/>
                 <a:cs typeface="Georgia"/>
               </a:rPr>
-              <a:t>What do I do besides code?</a:t>
+              <a:t>What do </a:t>
+            </a:r>
+            <a:r>
+              <a:rPr lang="en-US" sz="5400" dirty="0" err="1">
+                <a:solidFill>
+                  <a:srgbClr val="5F5F5F"/>
+                </a:solidFill>
+                <a:latin typeface="Georgia" panose="02040502050405020303" pitchFamily="18" charset="0"/>
+                <a:cs typeface="Georgia"/>
+              </a:rPr>
+              <a:t>devs</a:t>
+            </a:r>
+            <a:r>
+              <a:rPr lang="en-US" sz="5400" dirty="0">
+                <a:solidFill>
+                  <a:srgbClr val="5F5F5F"/>
+                </a:solidFill>
+                <a:latin typeface="Georgia" panose="02040502050405020303" pitchFamily="18" charset="0"/>
+                <a:cs typeface="Georgia"/>
+              </a:rPr>
+              <a:t> do besides code?</a:t>
             </a:r>
           </a:p>
           <a:p>
@@ -27570,7 +27629,7 @@
                 </a:solidFill>
                 <a:latin typeface="Georgia"/>
               </a:rPr>
-              <a:t>Optimizing for fast loading</a:t>
+              <a:t>Optimize for fast loading</a:t>
             </a:r>
           </a:p>
         </p:txBody>
